--- a/llama3_initial_load.pptx
+++ b/llama3_initial_load.pptx
@@ -200,7 +200,7 @@
         <p:txBody>
           <a:bodyPr/>
           <a:p>
-            <a:fld id="{1617DB28-EB6F-46AB-994C-89CFE43579BF}" type="slidenum">
+            <a:fld id="{B3B34182-E50D-48B7-BF79-16AC5BE9E081}" type="slidenum">
               <a:t>&lt;#&gt;</a:t>
             </a:fld>
           </a:p>
@@ -908,7 +908,7 @@
                 <a:tab algn="l" pos="0"/>
               </a:tabLst>
             </a:pPr>
-            <a:fld id="{84BA376B-BC60-4B7F-8B9A-D0BA842F733B}" type="slidenum">
+            <a:fld id="{E0FD4AD5-E30B-48AD-9731-4DAB57A37D19}" type="slidenum">
               <a:rPr b="0" lang="en-US" sz="1400" strike="noStrike" u="none">
                 <a:solidFill>
                   <a:srgbClr val="000000"/>

--- a/llama3_initial_load.pptx
+++ b/llama3_initial_load.pptx
@@ -14,6 +14,7 @@
     <p:sldId id="262" r:id="rId9"/>
     <p:sldId id="263" r:id="rId10"/>
     <p:sldId id="264" r:id="rId11"/>
+    <p:sldId id="265" r:id="rId12"/>
   </p:sldIdLst>
   <p:sldSz cx="10080625" cy="5670550"/>
   <p:notesSz cx="7772400" cy="10058400"/>
@@ -200,7 +201,7 @@
         <p:txBody>
           <a:bodyPr/>
           <a:p>
-            <a:fld id="{B3B34182-E50D-48B7-BF79-16AC5BE9E081}" type="slidenum">
+            <a:fld id="{C5FD7CFB-9F8E-44F0-8AAD-AD59B170B1E2}" type="slidenum">
               <a:t>&lt;#&gt;</a:t>
             </a:fld>
           </a:p>
@@ -908,7 +909,7 @@
                 <a:tab algn="l" pos="0"/>
               </a:tabLst>
             </a:pPr>
-            <a:fld id="{E0FD4AD5-E30B-48AD-9731-4DAB57A37D19}" type="slidenum">
+            <a:fld id="{6B9DDC4B-C9F4-4664-AD96-1DE1E404A20B}" type="slidenum">
               <a:rPr b="0" lang="en-US" sz="1400" strike="noStrike" u="none">
                 <a:solidFill>
                   <a:srgbClr val="000000"/>
@@ -1217,6 +1218,123 @@
               <a:t>Note: file read can be directed to memory, not disk; Thus not all file reads are disk reads</a:t>
             </a:r>
             <a:endParaRPr b="0" lang="en-US" sz="1600" strike="noStrike" u="none">
+              <a:solidFill>
+                <a:srgbClr val="000000"/>
+              </a:solidFill>
+              <a:uFillTx/>
+              <a:latin typeface="Arial"/>
+            </a:endParaRPr>
+          </a:p>
+        </p:txBody>
+      </p:sp>
+    </p:spTree>
+  </p:cSld>
+  <mc:AlternateContent>
+    <mc:Choice Requires="p14">
+      <p:transition spd="slow" p14:dur="2000"/>
+    </mc:Choice>
+    <mc:Fallback>
+      <p:transition spd="slow"/>
+    </mc:Fallback>
+  </mc:AlternateContent>
+</p:sld>
+</file>
+
+<file path=ppt/slides/slide10.xml><?xml version="1.0" encoding="utf-8"?>
+<p:sld xmlns:a="http://schemas.openxmlformats.org/drawingml/2006/main" xmlns:p="http://schemas.openxmlformats.org/presentationml/2006/main" xmlns:r="http://schemas.openxmlformats.org/officeDocument/2006/relationships" xmlns:p14="http://schemas.microsoft.com/office/powerpoint/2010/main" xmlns:p15="http://schemas.microsoft.com/office/powerpoint/2012/main" xmlns:mc="http://schemas.openxmlformats.org/markup-compatibility/2006">
+  <p:cSld>
+    <p:spTree>
+      <p:nvGrpSpPr>
+        <p:cNvPr id="1" name=""/>
+        <p:cNvGrpSpPr/>
+        <p:nvPr/>
+      </p:nvGrpSpPr>
+      <p:grpSpPr>
+        <a:xfrm>
+          <a:off x="0" y="0"/>
+          <a:ext cx="0" cy="0"/>
+          <a:chOff x="0" y="0"/>
+          <a:chExt cx="0" cy="0"/>
+        </a:xfrm>
+      </p:grpSpPr>
+      <p:pic>
+        <p:nvPicPr>
+          <p:cNvPr id="38" name="" descr=""/>
+          <p:cNvPicPr/>
+          <p:nvPr/>
+        </p:nvPicPr>
+        <p:blipFill>
+          <a:blip r:embed="rId1"/>
+          <a:stretch/>
+        </p:blipFill>
+        <p:spPr>
+          <a:xfrm>
+            <a:off x="504000" y="2115720"/>
+            <a:ext cx="2160000" cy="1708920"/>
+          </a:xfrm>
+          <a:prstGeom prst="rect">
+            <a:avLst/>
+          </a:prstGeom>
+          <a:ln w="0">
+            <a:noFill/>
+          </a:ln>
+        </p:spPr>
+      </p:pic>
+      <p:pic>
+        <p:nvPicPr>
+          <p:cNvPr id="39" name="" descr=""/>
+          <p:cNvPicPr/>
+          <p:nvPr/>
+        </p:nvPicPr>
+        <p:blipFill>
+          <a:blip r:embed="rId2"/>
+          <a:stretch/>
+        </p:blipFill>
+        <p:spPr>
+          <a:xfrm>
+            <a:off x="2772360" y="2040840"/>
+            <a:ext cx="2160000" cy="1858680"/>
+          </a:xfrm>
+          <a:prstGeom prst="rect">
+            <a:avLst/>
+          </a:prstGeom>
+          <a:ln w="0">
+            <a:noFill/>
+          </a:ln>
+        </p:spPr>
+      </p:pic>
+      <p:sp>
+        <p:nvSpPr>
+          <p:cNvPr id="40" name="PlaceHolder 1"/>
+          <p:cNvSpPr>
+            <a:spLocks noGrp="1"/>
+          </p:cNvSpPr>
+          <p:nvPr>
+            <p:ph type="title"/>
+          </p:nvPr>
+        </p:nvSpPr>
+        <p:spPr>
+          <a:xfrm>
+            <a:off x="504000" y="226080"/>
+            <a:ext cx="9071280" cy="946080"/>
+          </a:xfrm>
+          <a:prstGeom prst="rect">
+            <a:avLst/>
+          </a:prstGeom>
+          <a:noFill/>
+          <a:ln w="0">
+            <a:noFill/>
+          </a:ln>
+        </p:spPr>
+        <p:txBody>
+          <a:bodyPr lIns="0" rIns="0" tIns="0" bIns="0" anchor="ctr">
+            <a:noAutofit/>
+          </a:bodyPr>
+          <a:p>
+            <a:pPr indent="0" algn="ctr">
+              <a:buNone/>
+            </a:pPr>
+            <a:endParaRPr b="0" lang="en-US" sz="4400" strike="noStrike" u="none">
               <a:solidFill>
                 <a:srgbClr val="000000"/>
               </a:solidFill>

--- a/llama3_initial_load.pptx
+++ b/llama3_initial_load.pptx
@@ -1,8 +1,8 @@
 
 <file path=ppt/presentation.xml><?xml version="1.0" encoding="utf-8"?>
-<p:presentation xmlns:a="http://schemas.openxmlformats.org/drawingml/2006/main" xmlns:p="http://schemas.openxmlformats.org/presentationml/2006/main" xmlns:r="http://schemas.openxmlformats.org/officeDocument/2006/relationships" xmlns:p14="http://schemas.microsoft.com/office/powerpoint/2010/main" xmlns:p15="http://schemas.microsoft.com/office/powerpoint/2012/main" xmlns:mc="http://schemas.openxmlformats.org/markup-compatibility/2006">
+<p:presentation xmlns:a="http://schemas.openxmlformats.org/drawingml/2006/main" xmlns:r="http://schemas.openxmlformats.org/officeDocument/2006/relationships" xmlns:p="http://schemas.openxmlformats.org/presentationml/2006/main">
   <p:sldMasterIdLst>
-    <p:sldMasterId id="2147483648" r:id="rId2"/>
+    <p:sldMasterId id="2147483648" r:id="rId1"/>
   </p:sldMasterIdLst>
   <p:sldIdLst>
     <p:sldId id="256" r:id="rId3"/>
@@ -18,11 +18,103 @@
   </p:sldIdLst>
   <p:sldSz cx="10080625" cy="5670550"/>
   <p:notesSz cx="7772400" cy="10058400"/>
+  <p:defaultTextStyle>
+    <a:lvl1pPr marL="0" algn="l" defTabSz="914400" rtl="0" eaLnBrk="1" latinLnBrk="0" hangingPunct="1">
+      <a:defRPr sz="1800" kern="1200">
+        <a:solidFill>
+          <a:schemeClr val="tx1"/>
+        </a:solidFill>
+        <a:latin typeface="+mn-lt"/>
+        <a:ea typeface="+mn-ea"/>
+        <a:cs typeface="+mn-cs"/>
+      </a:defRPr>
+    </a:lvl1pPr>
+    <a:lvl2pPr marL="457200" algn="l" defTabSz="914400" rtl="0" eaLnBrk="1" latinLnBrk="0" hangingPunct="1">
+      <a:defRPr sz="1800" kern="1200">
+        <a:solidFill>
+          <a:schemeClr val="tx1"/>
+        </a:solidFill>
+        <a:latin typeface="+mn-lt"/>
+        <a:ea typeface="+mn-ea"/>
+        <a:cs typeface="+mn-cs"/>
+      </a:defRPr>
+    </a:lvl2pPr>
+    <a:lvl3pPr marL="914400" algn="l" defTabSz="914400" rtl="0" eaLnBrk="1" latinLnBrk="0" hangingPunct="1">
+      <a:defRPr sz="1800" kern="1200">
+        <a:solidFill>
+          <a:schemeClr val="tx1"/>
+        </a:solidFill>
+        <a:latin typeface="+mn-lt"/>
+        <a:ea typeface="+mn-ea"/>
+        <a:cs typeface="+mn-cs"/>
+      </a:defRPr>
+    </a:lvl3pPr>
+    <a:lvl4pPr marL="1371600" algn="l" defTabSz="914400" rtl="0" eaLnBrk="1" latinLnBrk="0" hangingPunct="1">
+      <a:defRPr sz="1800" kern="1200">
+        <a:solidFill>
+          <a:schemeClr val="tx1"/>
+        </a:solidFill>
+        <a:latin typeface="+mn-lt"/>
+        <a:ea typeface="+mn-ea"/>
+        <a:cs typeface="+mn-cs"/>
+      </a:defRPr>
+    </a:lvl4pPr>
+    <a:lvl5pPr marL="1828800" algn="l" defTabSz="914400" rtl="0" eaLnBrk="1" latinLnBrk="0" hangingPunct="1">
+      <a:defRPr sz="1800" kern="1200">
+        <a:solidFill>
+          <a:schemeClr val="tx1"/>
+        </a:solidFill>
+        <a:latin typeface="+mn-lt"/>
+        <a:ea typeface="+mn-ea"/>
+        <a:cs typeface="+mn-cs"/>
+      </a:defRPr>
+    </a:lvl5pPr>
+    <a:lvl6pPr marL="2286000" algn="l" defTabSz="914400" rtl="0" eaLnBrk="1" latinLnBrk="0" hangingPunct="1">
+      <a:defRPr sz="1800" kern="1200">
+        <a:solidFill>
+          <a:schemeClr val="tx1"/>
+        </a:solidFill>
+        <a:latin typeface="+mn-lt"/>
+        <a:ea typeface="+mn-ea"/>
+        <a:cs typeface="+mn-cs"/>
+      </a:defRPr>
+    </a:lvl6pPr>
+    <a:lvl7pPr marL="2743200" algn="l" defTabSz="914400" rtl="0" eaLnBrk="1" latinLnBrk="0" hangingPunct="1">
+      <a:defRPr sz="1800" kern="1200">
+        <a:solidFill>
+          <a:schemeClr val="tx1"/>
+        </a:solidFill>
+        <a:latin typeface="+mn-lt"/>
+        <a:ea typeface="+mn-ea"/>
+        <a:cs typeface="+mn-cs"/>
+      </a:defRPr>
+    </a:lvl7pPr>
+    <a:lvl8pPr marL="3200400" algn="l" defTabSz="914400" rtl="0" eaLnBrk="1" latinLnBrk="0" hangingPunct="1">
+      <a:defRPr sz="1800" kern="1200">
+        <a:solidFill>
+          <a:schemeClr val="tx1"/>
+        </a:solidFill>
+        <a:latin typeface="+mn-lt"/>
+        <a:ea typeface="+mn-ea"/>
+        <a:cs typeface="+mn-cs"/>
+      </a:defRPr>
+    </a:lvl8pPr>
+    <a:lvl9pPr marL="3657600" algn="l" defTabSz="914400" rtl="0" eaLnBrk="1" latinLnBrk="0" hangingPunct="1">
+      <a:defRPr sz="1800" kern="1200">
+        <a:solidFill>
+          <a:schemeClr val="tx1"/>
+        </a:solidFill>
+        <a:latin typeface="+mn-lt"/>
+        <a:ea typeface="+mn-ea"/>
+        <a:cs typeface="+mn-cs"/>
+      </a:defRPr>
+    </a:lvl9pPr>
+  </p:defaultTextStyle>
 </p:presentation>
 </file>
 
 <file path=ppt/slideLayouts/slideLayout1.xml><?xml version="1.0" encoding="utf-8"?>
-<p:sldLayout xmlns:a="http://schemas.openxmlformats.org/drawingml/2006/main" xmlns:p="http://schemas.openxmlformats.org/presentationml/2006/main" xmlns:r="http://schemas.openxmlformats.org/officeDocument/2006/relationships" xmlns:p14="http://schemas.microsoft.com/office/powerpoint/2010/main" xmlns:p15="http://schemas.microsoft.com/office/powerpoint/2012/main" xmlns:mc="http://schemas.openxmlformats.org/markup-compatibility/2006" type="twoObj" preserve="1">
+<p:sldLayout xmlns:a="http://schemas.openxmlformats.org/drawingml/2006/main" xmlns:r="http://schemas.openxmlformats.org/officeDocument/2006/relationships" xmlns:p="http://schemas.openxmlformats.org/presentationml/2006/main" type="twoObj" preserve="1">
   <p:cSld name="Default">
     <p:spTree>
       <p:nvGrpSpPr>
@@ -62,19 +154,19 @@
           </a:ln>
         </p:spPr>
         <p:txBody>
-          <a:bodyPr lIns="0" rIns="0" tIns="0" bIns="0" anchor="ctr">
+          <a:bodyPr lIns="0" tIns="0" rIns="0" bIns="0" anchor="ctr">
             <a:noAutofit/>
           </a:bodyPr>
           <a:p>
             <a:pPr indent="0" algn="ctr">
               <a:buNone/>
             </a:pPr>
-            <a:endParaRPr b="0" lang="en-US" sz="4400" strike="noStrike" u="none">
-              <a:solidFill>
-                <a:srgbClr val="000000"/>
-              </a:solidFill>
-              <a:uFillTx/>
-              <a:latin typeface="Arial"/>
+            <a:endParaRPr lang="en-US" sz="4400" b="0" u="none" strike="noStrike">
+              <a:solidFill>
+                <a:srgbClr val="000000"/>
+              </a:solidFill>
+              <a:uFillTx/>
+              <a:latin typeface="Arial" panose="020B0604020202020204"/>
             </a:endParaRPr>
           </a:p>
         </p:txBody>
@@ -103,22 +195,22 @@
           </a:ln>
         </p:spPr>
         <p:txBody>
-          <a:bodyPr lIns="0" rIns="0" tIns="0" bIns="0" anchor="t">
+          <a:bodyPr lIns="0" tIns="0" rIns="0" bIns="0" anchor="t">
             <a:normAutofit/>
           </a:bodyPr>
           <a:p>
             <a:pPr indent="0">
               <a:spcBef>
-                <a:spcPts val="1417"/>
+                <a:spcPts val="1415"/>
               </a:spcBef>
               <a:buNone/>
             </a:pPr>
-            <a:endParaRPr b="0" lang="en-US" sz="3200" strike="noStrike" u="none">
-              <a:solidFill>
-                <a:srgbClr val="000000"/>
-              </a:solidFill>
-              <a:uFillTx/>
-              <a:latin typeface="Arial"/>
+            <a:endParaRPr lang="en-US" sz="3200" b="0" u="none" strike="noStrike">
+              <a:solidFill>
+                <a:srgbClr val="000000"/>
+              </a:solidFill>
+              <a:uFillTx/>
+              <a:latin typeface="Arial" panose="020B0604020202020204"/>
             </a:endParaRPr>
           </a:p>
         </p:txBody>
@@ -147,22 +239,22 @@
           </a:ln>
         </p:spPr>
         <p:txBody>
-          <a:bodyPr lIns="0" rIns="0" tIns="0" bIns="0" anchor="t">
+          <a:bodyPr lIns="0" tIns="0" rIns="0" bIns="0" anchor="t">
             <a:normAutofit/>
           </a:bodyPr>
           <a:p>
             <a:pPr indent="0">
               <a:spcBef>
-                <a:spcPts val="1417"/>
+                <a:spcPts val="1415"/>
               </a:spcBef>
               <a:buNone/>
             </a:pPr>
-            <a:endParaRPr b="0" lang="en-US" sz="3200" strike="noStrike" u="none">
-              <a:solidFill>
-                <a:srgbClr val="000000"/>
-              </a:solidFill>
-              <a:uFillTx/>
-              <a:latin typeface="Arial"/>
+            <a:endParaRPr lang="en-US" sz="3200" b="0" u="none" strike="noStrike">
+              <a:solidFill>
+                <a:srgbClr val="000000"/>
+              </a:solidFill>
+              <a:uFillTx/>
+              <a:latin typeface="Arial" panose="020B0604020202020204"/>
             </a:endParaRPr>
           </a:p>
         </p:txBody>
@@ -189,7 +281,7 @@
       </p:sp>
       <p:sp>
         <p:nvSpPr>
-          <p:cNvPr id="6" name="PlaceHolder 5"/>
+          <p:cNvPr id="2" name="PlaceHolder 5"/>
           <p:cNvSpPr>
             <a:spLocks noGrp="1"/>
           </p:cNvSpPr>
@@ -202,14 +294,15 @@
           <a:bodyPr/>
           <a:p>
             <a:fld id="{C5FD7CFB-9F8E-44F0-8AAD-AD59B170B1E2}" type="slidenum">
-              <a:t>&lt;#&gt;</a:t>
+              <a:rPr/>
             </a:fld>
+            <a:endParaRPr/>
           </a:p>
         </p:txBody>
       </p:sp>
       <p:sp>
         <p:nvSpPr>
-          <p:cNvPr id="7" name="PlaceHolder 6"/>
+          <p:cNvPr id="3" name="PlaceHolder 6"/>
           <p:cNvSpPr>
             <a:spLocks noGrp="1"/>
           </p:cNvSpPr>
@@ -221,21 +314,26 @@
         <p:txBody>
           <a:bodyPr/>
           <a:p>
-            <a:r>
-              <a:rPr lang="en-US"/>
-              <a:t/>
-            </a:r>
+            <a:endParaRPr lang="en-US"/>
           </a:p>
         </p:txBody>
       </p:sp>
     </p:spTree>
   </p:cSld>
+  <p:clrMapOvr>
+    <a:masterClrMapping/>
+  </p:clrMapOvr>
 </p:sldLayout>
 </file>
 
 <file path=ppt/slideMasters/slideMaster1.xml><?xml version="1.0" encoding="utf-8"?>
-<p:sldMaster xmlns:a="http://schemas.openxmlformats.org/drawingml/2006/main" xmlns:p="http://schemas.openxmlformats.org/presentationml/2006/main" xmlns:r="http://schemas.openxmlformats.org/officeDocument/2006/relationships" xmlns:p14="http://schemas.microsoft.com/office/powerpoint/2010/main" xmlns:p15="http://schemas.microsoft.com/office/powerpoint/2012/main" xmlns:mc="http://schemas.openxmlformats.org/markup-compatibility/2006">
+<p:sldMaster xmlns:a="http://schemas.openxmlformats.org/drawingml/2006/main" xmlns:r="http://schemas.openxmlformats.org/officeDocument/2006/relationships" xmlns:p="http://schemas.openxmlformats.org/presentationml/2006/main">
   <p:cSld>
+    <p:bg>
+      <p:bgRef idx="1001">
+        <a:schemeClr val="bg1"/>
+      </p:bgRef>
+    </p:bg>
     <p:spTree>
       <p:nvGrpSpPr>
         <p:cNvPr id="1" name=""/>
@@ -274,7 +372,7 @@
           </a:ln>
         </p:spPr>
         <p:txBody>
-          <a:bodyPr lIns="0" rIns="0" tIns="0" bIns="0" anchor="ctr">
+          <a:bodyPr lIns="0" tIns="0" rIns="0" bIns="0" anchor="ctr">
             <a:noAutofit/>
           </a:bodyPr>
           <a:p>
@@ -282,28 +380,28 @@
               <a:buNone/>
             </a:pPr>
             <a:r>
-              <a:rPr b="0" lang="en-US" sz="1800" strike="noStrike" u="none">
-                <a:solidFill>
-                  <a:srgbClr val="000000"/>
-                </a:solidFill>
-                <a:uFillTx/>
-                <a:latin typeface="Arial"/>
+              <a:rPr lang="en-US" sz="1800" b="0" u="none" strike="noStrike">
+                <a:solidFill>
+                  <a:srgbClr val="000000"/>
+                </a:solidFill>
+                <a:uFillTx/>
+                <a:latin typeface="Arial" panose="020B0604020202020204"/>
               </a:rPr>
               <a:t>Click to edit the title text format</a:t>
             </a:r>
-            <a:endParaRPr b="0" lang="en-US" sz="1800" strike="noStrike" u="none">
-              <a:solidFill>
-                <a:srgbClr val="000000"/>
-              </a:solidFill>
-              <a:uFillTx/>
-              <a:latin typeface="Arial"/>
+            <a:endParaRPr lang="en-US" sz="1800" b="0" u="none" strike="noStrike">
+              <a:solidFill>
+                <a:srgbClr val="000000"/>
+              </a:solidFill>
+              <a:uFillTx/>
+              <a:latin typeface="Arial" panose="020B0604020202020204"/>
             </a:endParaRPr>
           </a:p>
         </p:txBody>
       </p:sp>
       <p:sp>
         <p:nvSpPr>
-          <p:cNvPr id="1" name="PlaceHolder 2"/>
+          <p:cNvPr id="2" name="PlaceHolder 2"/>
           <p:cNvSpPr>
             <a:spLocks noGrp="1"/>
           </p:cNvSpPr>
@@ -325,71 +423,71 @@
           </a:ln>
         </p:spPr>
         <p:txBody>
-          <a:bodyPr lIns="0" rIns="0" tIns="0" bIns="0" anchor="t">
+          <a:bodyPr lIns="0" tIns="0" rIns="0" bIns="0" anchor="t">
             <a:normAutofit/>
           </a:bodyPr>
           <a:p>
-            <a:pPr marL="432000" indent="-324000">
+            <a:pPr marL="431800" indent="-323850">
               <a:spcBef>
-                <a:spcPts val="1417"/>
+                <a:spcPts val="1415"/>
               </a:spcBef>
               <a:buClr>
                 <a:srgbClr val="000000"/>
               </a:buClr>
               <a:buSzPct val="45000"/>
-              <a:buFont typeface="Wingdings" charset="2"/>
+              <a:buFont typeface="Wingdings" panose="05000000000000000000" pitchFamily="2" charset="2"/>
               <a:buChar char=""/>
             </a:pPr>
             <a:r>
-              <a:rPr b="0" lang="en-US" sz="1800" strike="noStrike" u="none">
-                <a:solidFill>
-                  <a:srgbClr val="000000"/>
-                </a:solidFill>
-                <a:uFillTx/>
-                <a:latin typeface="Arial"/>
+              <a:rPr lang="en-US" sz="1800" b="0" u="none" strike="noStrike">
+                <a:solidFill>
+                  <a:srgbClr val="000000"/>
+                </a:solidFill>
+                <a:uFillTx/>
+                <a:latin typeface="Arial" panose="020B0604020202020204"/>
               </a:rPr>
               <a:t>Click to edit the outline text format</a:t>
             </a:r>
-            <a:endParaRPr b="0" lang="en-US" sz="1800" strike="noStrike" u="none">
-              <a:solidFill>
-                <a:srgbClr val="000000"/>
-              </a:solidFill>
-              <a:uFillTx/>
-              <a:latin typeface="Arial"/>
-            </a:endParaRPr>
-          </a:p>
-          <a:p>
-            <a:pPr lvl="1" marL="864000" indent="-324000">
+            <a:endParaRPr lang="en-US" sz="1800" b="0" u="none" strike="noStrike">
+              <a:solidFill>
+                <a:srgbClr val="000000"/>
+              </a:solidFill>
+              <a:uFillTx/>
+              <a:latin typeface="Arial" panose="020B0604020202020204"/>
+            </a:endParaRPr>
+          </a:p>
+          <a:p>
+            <a:pPr marL="864235" lvl="1" indent="-323850">
               <a:spcBef>
-                <a:spcPts val="1134"/>
+                <a:spcPts val="1135"/>
               </a:spcBef>
               <a:buClr>
                 <a:srgbClr val="000000"/>
               </a:buClr>
               <a:buSzPct val="75000"/>
-              <a:buFont typeface="Symbol" charset="2"/>
+              <a:buFont typeface="Symbol" panose="05050102010706020507" charset="2"/>
               <a:buChar char=""/>
             </a:pPr>
             <a:r>
-              <a:rPr b="0" lang="en-US" sz="1800" strike="noStrike" u="none">
-                <a:solidFill>
-                  <a:srgbClr val="000000"/>
-                </a:solidFill>
-                <a:uFillTx/>
-                <a:latin typeface="Arial"/>
+              <a:rPr lang="en-US" sz="1800" b="0" u="none" strike="noStrike">
+                <a:solidFill>
+                  <a:srgbClr val="000000"/>
+                </a:solidFill>
+                <a:uFillTx/>
+                <a:latin typeface="Arial" panose="020B0604020202020204"/>
               </a:rPr>
               <a:t>Second Outline Level</a:t>
             </a:r>
-            <a:endParaRPr b="0" lang="en-US" sz="1800" strike="noStrike" u="none">
-              <a:solidFill>
-                <a:srgbClr val="000000"/>
-              </a:solidFill>
-              <a:uFillTx/>
-              <a:latin typeface="Arial"/>
-            </a:endParaRPr>
-          </a:p>
-          <a:p>
-            <a:pPr lvl="2" marL="1296000" indent="-288000">
+            <a:endParaRPr lang="en-US" sz="1800" b="0" u="none" strike="noStrike">
+              <a:solidFill>
+                <a:srgbClr val="000000"/>
+              </a:solidFill>
+              <a:uFillTx/>
+              <a:latin typeface="Arial" panose="020B0604020202020204"/>
+            </a:endParaRPr>
+          </a:p>
+          <a:p>
+            <a:pPr marL="1296035" lvl="2" indent="-288290">
               <a:spcBef>
                 <a:spcPts val="850"/>
               </a:spcBef>
@@ -397,152 +495,152 @@
                 <a:srgbClr val="000000"/>
               </a:buClr>
               <a:buSzPct val="45000"/>
-              <a:buFont typeface="Wingdings" charset="2"/>
+              <a:buFont typeface="Wingdings" panose="05000000000000000000" pitchFamily="2" charset="2"/>
               <a:buChar char=""/>
             </a:pPr>
             <a:r>
-              <a:rPr b="0" lang="en-US" sz="1800" strike="noStrike" u="none">
-                <a:solidFill>
-                  <a:srgbClr val="000000"/>
-                </a:solidFill>
-                <a:uFillTx/>
-                <a:latin typeface="Arial"/>
+              <a:rPr lang="en-US" sz="1800" b="0" u="none" strike="noStrike">
+                <a:solidFill>
+                  <a:srgbClr val="000000"/>
+                </a:solidFill>
+                <a:uFillTx/>
+                <a:latin typeface="Arial" panose="020B0604020202020204"/>
               </a:rPr>
               <a:t>Third Outline Level</a:t>
             </a:r>
-            <a:endParaRPr b="0" lang="en-US" sz="1800" strike="noStrike" u="none">
-              <a:solidFill>
-                <a:srgbClr val="000000"/>
-              </a:solidFill>
-              <a:uFillTx/>
-              <a:latin typeface="Arial"/>
-            </a:endParaRPr>
-          </a:p>
-          <a:p>
-            <a:pPr lvl="3" marL="1728000" indent="-216000">
+            <a:endParaRPr lang="en-US" sz="1800" b="0" u="none" strike="noStrike">
+              <a:solidFill>
+                <a:srgbClr val="000000"/>
+              </a:solidFill>
+              <a:uFillTx/>
+              <a:latin typeface="Arial" panose="020B0604020202020204"/>
+            </a:endParaRPr>
+          </a:p>
+          <a:p>
+            <a:pPr marL="1727835" lvl="3" indent="-215900">
               <a:spcBef>
-                <a:spcPts val="567"/>
+                <a:spcPts val="565"/>
               </a:spcBef>
               <a:buClr>
                 <a:srgbClr val="000000"/>
               </a:buClr>
               <a:buSzPct val="75000"/>
-              <a:buFont typeface="Symbol" charset="2"/>
+              <a:buFont typeface="Symbol" panose="05050102010706020507" charset="2"/>
               <a:buChar char=""/>
             </a:pPr>
             <a:r>
-              <a:rPr b="0" lang="en-US" sz="1800" strike="noStrike" u="none">
-                <a:solidFill>
-                  <a:srgbClr val="000000"/>
-                </a:solidFill>
-                <a:uFillTx/>
-                <a:latin typeface="Arial"/>
+              <a:rPr lang="en-US" sz="1800" b="0" u="none" strike="noStrike">
+                <a:solidFill>
+                  <a:srgbClr val="000000"/>
+                </a:solidFill>
+                <a:uFillTx/>
+                <a:latin typeface="Arial" panose="020B0604020202020204"/>
               </a:rPr>
               <a:t>Fourth Outline Level</a:t>
             </a:r>
-            <a:endParaRPr b="0" lang="en-US" sz="1800" strike="noStrike" u="none">
-              <a:solidFill>
-                <a:srgbClr val="000000"/>
-              </a:solidFill>
-              <a:uFillTx/>
-              <a:latin typeface="Arial"/>
-            </a:endParaRPr>
-          </a:p>
-          <a:p>
-            <a:pPr lvl="4" marL="2160000" indent="-216000">
+            <a:endParaRPr lang="en-US" sz="1800" b="0" u="none" strike="noStrike">
+              <a:solidFill>
+                <a:srgbClr val="000000"/>
+              </a:solidFill>
+              <a:uFillTx/>
+              <a:latin typeface="Arial" panose="020B0604020202020204"/>
+            </a:endParaRPr>
+          </a:p>
+          <a:p>
+            <a:pPr marL="2160270" lvl="4" indent="-215900">
               <a:spcBef>
-                <a:spcPts val="283"/>
+                <a:spcPts val="285"/>
               </a:spcBef>
               <a:buClr>
                 <a:srgbClr val="000000"/>
               </a:buClr>
               <a:buSzPct val="45000"/>
-              <a:buFont typeface="Wingdings" charset="2"/>
+              <a:buFont typeface="Wingdings" panose="05000000000000000000" pitchFamily="2" charset="2"/>
               <a:buChar char=""/>
             </a:pPr>
             <a:r>
-              <a:rPr b="0" lang="en-US" sz="1800" strike="noStrike" u="none">
-                <a:solidFill>
-                  <a:srgbClr val="000000"/>
-                </a:solidFill>
-                <a:uFillTx/>
-                <a:latin typeface="Arial"/>
+              <a:rPr lang="en-US" sz="1800" b="0" u="none" strike="noStrike">
+                <a:solidFill>
+                  <a:srgbClr val="000000"/>
+                </a:solidFill>
+                <a:uFillTx/>
+                <a:latin typeface="Arial" panose="020B0604020202020204"/>
               </a:rPr>
               <a:t>Fifth Outline Level</a:t>
             </a:r>
-            <a:endParaRPr b="0" lang="en-US" sz="1800" strike="noStrike" u="none">
-              <a:solidFill>
-                <a:srgbClr val="000000"/>
-              </a:solidFill>
-              <a:uFillTx/>
-              <a:latin typeface="Arial"/>
-            </a:endParaRPr>
-          </a:p>
-          <a:p>
-            <a:pPr lvl="5" marL="2592000" indent="-216000">
+            <a:endParaRPr lang="en-US" sz="1800" b="0" u="none" strike="noStrike">
+              <a:solidFill>
+                <a:srgbClr val="000000"/>
+              </a:solidFill>
+              <a:uFillTx/>
+              <a:latin typeface="Arial" panose="020B0604020202020204"/>
+            </a:endParaRPr>
+          </a:p>
+          <a:p>
+            <a:pPr marL="2592070" lvl="5" indent="-215900">
               <a:spcBef>
-                <a:spcPts val="283"/>
+                <a:spcPts val="285"/>
               </a:spcBef>
               <a:buClr>
                 <a:srgbClr val="000000"/>
               </a:buClr>
               <a:buSzPct val="45000"/>
-              <a:buFont typeface="Wingdings" charset="2"/>
+              <a:buFont typeface="Wingdings" panose="05000000000000000000" pitchFamily="2" charset="2"/>
               <a:buChar char=""/>
             </a:pPr>
             <a:r>
-              <a:rPr b="0" lang="en-US" sz="1800" strike="noStrike" u="none">
-                <a:solidFill>
-                  <a:srgbClr val="000000"/>
-                </a:solidFill>
-                <a:uFillTx/>
-                <a:latin typeface="Arial"/>
+              <a:rPr lang="en-US" sz="1800" b="0" u="none" strike="noStrike">
+                <a:solidFill>
+                  <a:srgbClr val="000000"/>
+                </a:solidFill>
+                <a:uFillTx/>
+                <a:latin typeface="Arial" panose="020B0604020202020204"/>
               </a:rPr>
               <a:t>Sixth Outline Level</a:t>
             </a:r>
-            <a:endParaRPr b="0" lang="en-US" sz="1800" strike="noStrike" u="none">
-              <a:solidFill>
-                <a:srgbClr val="000000"/>
-              </a:solidFill>
-              <a:uFillTx/>
-              <a:latin typeface="Arial"/>
-            </a:endParaRPr>
-          </a:p>
-          <a:p>
-            <a:pPr lvl="6" marL="3024000" indent="-216000">
+            <a:endParaRPr lang="en-US" sz="1800" b="0" u="none" strike="noStrike">
+              <a:solidFill>
+                <a:srgbClr val="000000"/>
+              </a:solidFill>
+              <a:uFillTx/>
+              <a:latin typeface="Arial" panose="020B0604020202020204"/>
+            </a:endParaRPr>
+          </a:p>
+          <a:p>
+            <a:pPr marL="3023870" lvl="6" indent="-215900">
               <a:spcBef>
-                <a:spcPts val="283"/>
+                <a:spcPts val="285"/>
               </a:spcBef>
               <a:buClr>
                 <a:srgbClr val="000000"/>
               </a:buClr>
               <a:buSzPct val="45000"/>
-              <a:buFont typeface="Wingdings" charset="2"/>
+              <a:buFont typeface="Wingdings" panose="05000000000000000000" pitchFamily="2" charset="2"/>
               <a:buChar char=""/>
             </a:pPr>
             <a:r>
-              <a:rPr b="0" lang="en-US" sz="1800" strike="noStrike" u="none">
-                <a:solidFill>
-                  <a:srgbClr val="000000"/>
-                </a:solidFill>
-                <a:uFillTx/>
-                <a:latin typeface="Arial"/>
+              <a:rPr lang="en-US" sz="1800" b="0" u="none" strike="noStrike">
+                <a:solidFill>
+                  <a:srgbClr val="000000"/>
+                </a:solidFill>
+                <a:uFillTx/>
+                <a:latin typeface="Arial" panose="020B0604020202020204"/>
               </a:rPr>
               <a:t>Seventh Outline Level</a:t>
             </a:r>
-            <a:endParaRPr b="0" lang="en-US" sz="1800" strike="noStrike" u="none">
-              <a:solidFill>
-                <a:srgbClr val="000000"/>
-              </a:solidFill>
-              <a:uFillTx/>
-              <a:latin typeface="Arial"/>
+            <a:endParaRPr lang="en-US" sz="1800" b="0" u="none" strike="noStrike">
+              <a:solidFill>
+                <a:srgbClr val="000000"/>
+              </a:solidFill>
+              <a:uFillTx/>
+              <a:latin typeface="Arial" panose="020B0604020202020204"/>
             </a:endParaRPr>
           </a:p>
         </p:txBody>
       </p:sp>
       <p:sp>
         <p:nvSpPr>
-          <p:cNvPr id="2" name="PlaceHolder 3"/>
+          <p:cNvPr id="3" name="PlaceHolder 3"/>
           <p:cNvSpPr>
             <a:spLocks noGrp="1"/>
           </p:cNvSpPr>
@@ -564,71 +662,71 @@
           </a:ln>
         </p:spPr>
         <p:txBody>
-          <a:bodyPr lIns="0" rIns="0" tIns="0" bIns="0" anchor="t">
+          <a:bodyPr lIns="0" tIns="0" rIns="0" bIns="0" anchor="t">
             <a:normAutofit/>
           </a:bodyPr>
           <a:p>
-            <a:pPr marL="432000" indent="-324000">
+            <a:pPr marL="431800" indent="-323850">
               <a:spcBef>
-                <a:spcPts val="1417"/>
+                <a:spcPts val="1415"/>
               </a:spcBef>
               <a:buClr>
                 <a:srgbClr val="000000"/>
               </a:buClr>
               <a:buSzPct val="45000"/>
-              <a:buFont typeface="Wingdings" charset="2"/>
+              <a:buFont typeface="Wingdings" panose="05000000000000000000" pitchFamily="2" charset="2"/>
               <a:buChar char=""/>
             </a:pPr>
             <a:r>
-              <a:rPr b="0" lang="en-US" sz="1800" strike="noStrike" u="none">
-                <a:solidFill>
-                  <a:srgbClr val="000000"/>
-                </a:solidFill>
-                <a:uFillTx/>
-                <a:latin typeface="Arial"/>
+              <a:rPr lang="en-US" sz="1800" b="0" u="none" strike="noStrike">
+                <a:solidFill>
+                  <a:srgbClr val="000000"/>
+                </a:solidFill>
+                <a:uFillTx/>
+                <a:latin typeface="Arial" panose="020B0604020202020204"/>
               </a:rPr>
               <a:t>Click to edit the outline text format</a:t>
             </a:r>
-            <a:endParaRPr b="0" lang="en-US" sz="1800" strike="noStrike" u="none">
-              <a:solidFill>
-                <a:srgbClr val="000000"/>
-              </a:solidFill>
-              <a:uFillTx/>
-              <a:latin typeface="Arial"/>
-            </a:endParaRPr>
-          </a:p>
-          <a:p>
-            <a:pPr lvl="1" marL="864000" indent="-324000">
+            <a:endParaRPr lang="en-US" sz="1800" b="0" u="none" strike="noStrike">
+              <a:solidFill>
+                <a:srgbClr val="000000"/>
+              </a:solidFill>
+              <a:uFillTx/>
+              <a:latin typeface="Arial" panose="020B0604020202020204"/>
+            </a:endParaRPr>
+          </a:p>
+          <a:p>
+            <a:pPr marL="864235" lvl="1" indent="-323850">
               <a:spcBef>
-                <a:spcPts val="1134"/>
+                <a:spcPts val="1135"/>
               </a:spcBef>
               <a:buClr>
                 <a:srgbClr val="000000"/>
               </a:buClr>
               <a:buSzPct val="75000"/>
-              <a:buFont typeface="Symbol" charset="2"/>
+              <a:buFont typeface="Symbol" panose="05050102010706020507" charset="2"/>
               <a:buChar char=""/>
             </a:pPr>
             <a:r>
-              <a:rPr b="0" lang="en-US" sz="1800" strike="noStrike" u="none">
-                <a:solidFill>
-                  <a:srgbClr val="000000"/>
-                </a:solidFill>
-                <a:uFillTx/>
-                <a:latin typeface="Arial"/>
+              <a:rPr lang="en-US" sz="1800" b="0" u="none" strike="noStrike">
+                <a:solidFill>
+                  <a:srgbClr val="000000"/>
+                </a:solidFill>
+                <a:uFillTx/>
+                <a:latin typeface="Arial" panose="020B0604020202020204"/>
               </a:rPr>
               <a:t>Second Outline Level</a:t>
             </a:r>
-            <a:endParaRPr b="0" lang="en-US" sz="1800" strike="noStrike" u="none">
-              <a:solidFill>
-                <a:srgbClr val="000000"/>
-              </a:solidFill>
-              <a:uFillTx/>
-              <a:latin typeface="Arial"/>
-            </a:endParaRPr>
-          </a:p>
-          <a:p>
-            <a:pPr lvl="2" marL="1296000" indent="-288000">
+            <a:endParaRPr lang="en-US" sz="1800" b="0" u="none" strike="noStrike">
+              <a:solidFill>
+                <a:srgbClr val="000000"/>
+              </a:solidFill>
+              <a:uFillTx/>
+              <a:latin typeface="Arial" panose="020B0604020202020204"/>
+            </a:endParaRPr>
+          </a:p>
+          <a:p>
+            <a:pPr marL="1296035" lvl="2" indent="-288290">
               <a:spcBef>
                 <a:spcPts val="850"/>
               </a:spcBef>
@@ -636,152 +734,152 @@
                 <a:srgbClr val="000000"/>
               </a:buClr>
               <a:buSzPct val="45000"/>
-              <a:buFont typeface="Wingdings" charset="2"/>
+              <a:buFont typeface="Wingdings" panose="05000000000000000000" pitchFamily="2" charset="2"/>
               <a:buChar char=""/>
             </a:pPr>
             <a:r>
-              <a:rPr b="0" lang="en-US" sz="1800" strike="noStrike" u="none">
-                <a:solidFill>
-                  <a:srgbClr val="000000"/>
-                </a:solidFill>
-                <a:uFillTx/>
-                <a:latin typeface="Arial"/>
+              <a:rPr lang="en-US" sz="1800" b="0" u="none" strike="noStrike">
+                <a:solidFill>
+                  <a:srgbClr val="000000"/>
+                </a:solidFill>
+                <a:uFillTx/>
+                <a:latin typeface="Arial" panose="020B0604020202020204"/>
               </a:rPr>
               <a:t>Third Outline Level</a:t>
             </a:r>
-            <a:endParaRPr b="0" lang="en-US" sz="1800" strike="noStrike" u="none">
-              <a:solidFill>
-                <a:srgbClr val="000000"/>
-              </a:solidFill>
-              <a:uFillTx/>
-              <a:latin typeface="Arial"/>
-            </a:endParaRPr>
-          </a:p>
-          <a:p>
-            <a:pPr lvl="3" marL="1728000" indent="-216000">
+            <a:endParaRPr lang="en-US" sz="1800" b="0" u="none" strike="noStrike">
+              <a:solidFill>
+                <a:srgbClr val="000000"/>
+              </a:solidFill>
+              <a:uFillTx/>
+              <a:latin typeface="Arial" panose="020B0604020202020204"/>
+            </a:endParaRPr>
+          </a:p>
+          <a:p>
+            <a:pPr marL="1727835" lvl="3" indent="-215900">
               <a:spcBef>
-                <a:spcPts val="567"/>
+                <a:spcPts val="565"/>
               </a:spcBef>
               <a:buClr>
                 <a:srgbClr val="000000"/>
               </a:buClr>
               <a:buSzPct val="75000"/>
-              <a:buFont typeface="Symbol" charset="2"/>
+              <a:buFont typeface="Symbol" panose="05050102010706020507" charset="2"/>
               <a:buChar char=""/>
             </a:pPr>
             <a:r>
-              <a:rPr b="0" lang="en-US" sz="1800" strike="noStrike" u="none">
-                <a:solidFill>
-                  <a:srgbClr val="000000"/>
-                </a:solidFill>
-                <a:uFillTx/>
-                <a:latin typeface="Arial"/>
+              <a:rPr lang="en-US" sz="1800" b="0" u="none" strike="noStrike">
+                <a:solidFill>
+                  <a:srgbClr val="000000"/>
+                </a:solidFill>
+                <a:uFillTx/>
+                <a:latin typeface="Arial" panose="020B0604020202020204"/>
               </a:rPr>
               <a:t>Fourth Outline Level</a:t>
             </a:r>
-            <a:endParaRPr b="0" lang="en-US" sz="1800" strike="noStrike" u="none">
-              <a:solidFill>
-                <a:srgbClr val="000000"/>
-              </a:solidFill>
-              <a:uFillTx/>
-              <a:latin typeface="Arial"/>
-            </a:endParaRPr>
-          </a:p>
-          <a:p>
-            <a:pPr lvl="4" marL="2160000" indent="-216000">
+            <a:endParaRPr lang="en-US" sz="1800" b="0" u="none" strike="noStrike">
+              <a:solidFill>
+                <a:srgbClr val="000000"/>
+              </a:solidFill>
+              <a:uFillTx/>
+              <a:latin typeface="Arial" panose="020B0604020202020204"/>
+            </a:endParaRPr>
+          </a:p>
+          <a:p>
+            <a:pPr marL="2160270" lvl="4" indent="-215900">
               <a:spcBef>
-                <a:spcPts val="283"/>
+                <a:spcPts val="285"/>
               </a:spcBef>
               <a:buClr>
                 <a:srgbClr val="000000"/>
               </a:buClr>
               <a:buSzPct val="45000"/>
-              <a:buFont typeface="Wingdings" charset="2"/>
+              <a:buFont typeface="Wingdings" panose="05000000000000000000" pitchFamily="2" charset="2"/>
               <a:buChar char=""/>
             </a:pPr>
             <a:r>
-              <a:rPr b="0" lang="en-US" sz="1800" strike="noStrike" u="none">
-                <a:solidFill>
-                  <a:srgbClr val="000000"/>
-                </a:solidFill>
-                <a:uFillTx/>
-                <a:latin typeface="Arial"/>
+              <a:rPr lang="en-US" sz="1800" b="0" u="none" strike="noStrike">
+                <a:solidFill>
+                  <a:srgbClr val="000000"/>
+                </a:solidFill>
+                <a:uFillTx/>
+                <a:latin typeface="Arial" panose="020B0604020202020204"/>
               </a:rPr>
               <a:t>Fifth Outline Level</a:t>
             </a:r>
-            <a:endParaRPr b="0" lang="en-US" sz="1800" strike="noStrike" u="none">
-              <a:solidFill>
-                <a:srgbClr val="000000"/>
-              </a:solidFill>
-              <a:uFillTx/>
-              <a:latin typeface="Arial"/>
-            </a:endParaRPr>
-          </a:p>
-          <a:p>
-            <a:pPr lvl="5" marL="2592000" indent="-216000">
+            <a:endParaRPr lang="en-US" sz="1800" b="0" u="none" strike="noStrike">
+              <a:solidFill>
+                <a:srgbClr val="000000"/>
+              </a:solidFill>
+              <a:uFillTx/>
+              <a:latin typeface="Arial" panose="020B0604020202020204"/>
+            </a:endParaRPr>
+          </a:p>
+          <a:p>
+            <a:pPr marL="2592070" lvl="5" indent="-215900">
               <a:spcBef>
-                <a:spcPts val="283"/>
+                <a:spcPts val="285"/>
               </a:spcBef>
               <a:buClr>
                 <a:srgbClr val="000000"/>
               </a:buClr>
               <a:buSzPct val="45000"/>
-              <a:buFont typeface="Wingdings" charset="2"/>
+              <a:buFont typeface="Wingdings" panose="05000000000000000000" pitchFamily="2" charset="2"/>
               <a:buChar char=""/>
             </a:pPr>
             <a:r>
-              <a:rPr b="0" lang="en-US" sz="1800" strike="noStrike" u="none">
-                <a:solidFill>
-                  <a:srgbClr val="000000"/>
-                </a:solidFill>
-                <a:uFillTx/>
-                <a:latin typeface="Arial"/>
+              <a:rPr lang="en-US" sz="1800" b="0" u="none" strike="noStrike">
+                <a:solidFill>
+                  <a:srgbClr val="000000"/>
+                </a:solidFill>
+                <a:uFillTx/>
+                <a:latin typeface="Arial" panose="020B0604020202020204"/>
               </a:rPr>
               <a:t>Sixth Outline Level</a:t>
             </a:r>
-            <a:endParaRPr b="0" lang="en-US" sz="1800" strike="noStrike" u="none">
-              <a:solidFill>
-                <a:srgbClr val="000000"/>
-              </a:solidFill>
-              <a:uFillTx/>
-              <a:latin typeface="Arial"/>
-            </a:endParaRPr>
-          </a:p>
-          <a:p>
-            <a:pPr lvl="6" marL="3024000" indent="-216000">
+            <a:endParaRPr lang="en-US" sz="1800" b="0" u="none" strike="noStrike">
+              <a:solidFill>
+                <a:srgbClr val="000000"/>
+              </a:solidFill>
+              <a:uFillTx/>
+              <a:latin typeface="Arial" panose="020B0604020202020204"/>
+            </a:endParaRPr>
+          </a:p>
+          <a:p>
+            <a:pPr marL="3023870" lvl="6" indent="-215900">
               <a:spcBef>
-                <a:spcPts val="283"/>
+                <a:spcPts val="285"/>
               </a:spcBef>
               <a:buClr>
                 <a:srgbClr val="000000"/>
               </a:buClr>
               <a:buSzPct val="45000"/>
-              <a:buFont typeface="Wingdings" charset="2"/>
+              <a:buFont typeface="Wingdings" panose="05000000000000000000" pitchFamily="2" charset="2"/>
               <a:buChar char=""/>
             </a:pPr>
             <a:r>
-              <a:rPr b="0" lang="en-US" sz="1800" strike="noStrike" u="none">
-                <a:solidFill>
-                  <a:srgbClr val="000000"/>
-                </a:solidFill>
-                <a:uFillTx/>
-                <a:latin typeface="Arial"/>
+              <a:rPr lang="en-US" sz="1800" b="0" u="none" strike="noStrike">
+                <a:solidFill>
+                  <a:srgbClr val="000000"/>
+                </a:solidFill>
+                <a:uFillTx/>
+                <a:latin typeface="Arial" panose="020B0604020202020204"/>
               </a:rPr>
               <a:t>Seventh Outline Level</a:t>
             </a:r>
-            <a:endParaRPr b="0" lang="en-US" sz="1800" strike="noStrike" u="none">
-              <a:solidFill>
-                <a:srgbClr val="000000"/>
-              </a:solidFill>
-              <a:uFillTx/>
-              <a:latin typeface="Arial"/>
+            <a:endParaRPr lang="en-US" sz="1800" b="0" u="none" strike="noStrike">
+              <a:solidFill>
+                <a:srgbClr val="000000"/>
+              </a:solidFill>
+              <a:uFillTx/>
+              <a:latin typeface="Arial" panose="020B0604020202020204"/>
             </a:endParaRPr>
           </a:p>
         </p:txBody>
       </p:sp>
       <p:sp>
         <p:nvSpPr>
-          <p:cNvPr id="3" name="PlaceHolder 4"/>
+          <p:cNvPr id="4" name="PlaceHolder 4"/>
           <p:cNvSpPr>
             <a:spLocks noGrp="1"/>
           </p:cNvSpPr>
@@ -803,7 +901,7 @@
           </a:ln>
         </p:spPr>
         <p:txBody>
-          <a:bodyPr lIns="0" rIns="0" tIns="0" bIns="0" anchor="t">
+          <a:bodyPr lIns="0" tIns="0" rIns="0" bIns="0" anchor="t">
             <a:noAutofit/>
           </a:bodyPr>
           <a:lstStyle>
@@ -813,14 +911,14 @@
               </a:lnSpc>
               <a:buNone/>
               <a:tabLst>
-                <a:tab algn="l" pos="0"/>
+                <a:tab pos="0" algn="l"/>
               </a:tabLst>
-              <a:defRPr b="0" lang="en-US" sz="1400" strike="noStrike" u="none">
-                <a:solidFill>
-                  <a:srgbClr val="000000"/>
-                </a:solidFill>
-                <a:uFillTx/>
-                <a:latin typeface="Times New Roman"/>
+              <a:defRPr lang="en-US" sz="1400" b="0" u="none" strike="noStrike">
+                <a:solidFill>
+                  <a:srgbClr val="000000"/>
+                </a:solidFill>
+                <a:uFillTx/>
+                <a:latin typeface="Times New Roman" panose="02020603050405020304"/>
               </a:defRPr>
             </a:lvl1pPr>
           </a:lstStyle>
@@ -831,32 +929,32 @@
               </a:lnSpc>
               <a:buNone/>
               <a:tabLst>
-                <a:tab algn="l" pos="0"/>
+                <a:tab pos="0" algn="l"/>
               </a:tabLst>
             </a:pPr>
             <a:r>
-              <a:rPr b="0" lang="en-US" sz="1400" strike="noStrike" u="none">
-                <a:solidFill>
-                  <a:srgbClr val="000000"/>
-                </a:solidFill>
-                <a:uFillTx/>
-                <a:latin typeface="Times New Roman"/>
+              <a:rPr lang="en-US" sz="1400" b="0" u="none" strike="noStrike">
+                <a:solidFill>
+                  <a:srgbClr val="000000"/>
+                </a:solidFill>
+                <a:uFillTx/>
+                <a:latin typeface="Times New Roman" panose="02020603050405020304"/>
               </a:rPr>
               <a:t>&lt;footer&gt;</a:t>
             </a:r>
-            <a:endParaRPr b="0" lang="en-US" sz="1400" strike="noStrike" u="none">
-              <a:solidFill>
-                <a:srgbClr val="000000"/>
-              </a:solidFill>
-              <a:uFillTx/>
-              <a:latin typeface="Times New Roman"/>
+            <a:endParaRPr lang="en-US" sz="1400" b="0" u="none" strike="noStrike">
+              <a:solidFill>
+                <a:srgbClr val="000000"/>
+              </a:solidFill>
+              <a:uFillTx/>
+              <a:latin typeface="Times New Roman" panose="02020603050405020304"/>
             </a:endParaRPr>
           </a:p>
         </p:txBody>
       </p:sp>
       <p:sp>
         <p:nvSpPr>
-          <p:cNvPr id="4" name="PlaceHolder 5"/>
+          <p:cNvPr id="5" name="PlaceHolder 5"/>
           <p:cNvSpPr>
             <a:spLocks noGrp="1"/>
           </p:cNvSpPr>
@@ -878,7 +976,7 @@
           </a:ln>
         </p:spPr>
         <p:txBody>
-          <a:bodyPr lIns="0" rIns="0" tIns="0" bIns="0" anchor="t">
+          <a:bodyPr lIns="0" tIns="0" rIns="0" bIns="0" anchor="t">
             <a:noAutofit/>
           </a:bodyPr>
           <a:lstStyle>
@@ -888,14 +986,14 @@
               </a:lnSpc>
               <a:buNone/>
               <a:tabLst>
-                <a:tab algn="l" pos="0"/>
+                <a:tab pos="0" algn="l"/>
               </a:tabLst>
-              <a:defRPr b="0" lang="en-US" sz="1400" strike="noStrike" u="none">
-                <a:solidFill>
-                  <a:srgbClr val="000000"/>
-                </a:solidFill>
-                <a:uFillTx/>
-                <a:latin typeface="Times New Roman"/>
+              <a:defRPr lang="en-US" sz="1400" b="0" u="none" strike="noStrike">
+                <a:solidFill>
+                  <a:srgbClr val="000000"/>
+                </a:solidFill>
+                <a:uFillTx/>
+                <a:latin typeface="Times New Roman" panose="02020603050405020304"/>
               </a:defRPr>
             </a:lvl1pPr>
           </a:lstStyle>
@@ -906,32 +1004,31 @@
               </a:lnSpc>
               <a:buNone/>
               <a:tabLst>
-                <a:tab algn="l" pos="0"/>
+                <a:tab pos="0" algn="l"/>
               </a:tabLst>
             </a:pPr>
             <a:fld id="{6B9DDC4B-C9F4-4664-AD96-1DE1E404A20B}" type="slidenum">
-              <a:rPr b="0" lang="en-US" sz="1400" strike="noStrike" u="none">
-                <a:solidFill>
-                  <a:srgbClr val="000000"/>
-                </a:solidFill>
-                <a:uFillTx/>
-                <a:latin typeface="Times New Roman"/>
-              </a:rPr>
-              <a:t>&lt;number&gt;</a:t>
+              <a:rPr lang="en-US" sz="1400" b="0" u="none" strike="noStrike">
+                <a:solidFill>
+                  <a:srgbClr val="000000"/>
+                </a:solidFill>
+                <a:uFillTx/>
+                <a:latin typeface="Times New Roman" panose="02020603050405020304"/>
+              </a:rPr>
             </a:fld>
-            <a:endParaRPr b="0" lang="en-US" sz="1400" strike="noStrike" u="none">
-              <a:solidFill>
-                <a:srgbClr val="000000"/>
-              </a:solidFill>
-              <a:uFillTx/>
-              <a:latin typeface="Times New Roman"/>
+            <a:endParaRPr lang="en-US" sz="1400" b="0" u="none" strike="noStrike">
+              <a:solidFill>
+                <a:srgbClr val="000000"/>
+              </a:solidFill>
+              <a:uFillTx/>
+              <a:latin typeface="Times New Roman" panose="02020603050405020304"/>
             </a:endParaRPr>
           </a:p>
         </p:txBody>
       </p:sp>
       <p:sp>
         <p:nvSpPr>
-          <p:cNvPr id="5" name="PlaceHolder 6"/>
+          <p:cNvPr id="6" name="PlaceHolder 6"/>
           <p:cNvSpPr>
             <a:spLocks noGrp="1"/>
           </p:cNvSpPr>
@@ -953,18 +1050,18 @@
           </a:ln>
         </p:spPr>
         <p:txBody>
-          <a:bodyPr lIns="0" rIns="0" tIns="0" bIns="0" anchor="t">
+          <a:bodyPr lIns="0" tIns="0" rIns="0" bIns="0" anchor="t">
             <a:noAutofit/>
           </a:bodyPr>
           <a:lstStyle>
             <a:lvl1pPr indent="0">
               <a:buNone/>
-              <a:defRPr b="0" lang="en-US" sz="1400" strike="noStrike" u="none">
-                <a:solidFill>
-                  <a:srgbClr val="000000"/>
-                </a:solidFill>
-                <a:uFillTx/>
-                <a:latin typeface="Times New Roman"/>
+              <a:defRPr lang="en-US" sz="1400" b="0" u="none" strike="noStrike">
+                <a:solidFill>
+                  <a:srgbClr val="000000"/>
+                </a:solidFill>
+                <a:uFillTx/>
+                <a:latin typeface="Times New Roman" panose="02020603050405020304"/>
               </a:defRPr>
             </a:lvl1pPr>
           </a:lstStyle>
@@ -973,21 +1070,21 @@
               <a:buNone/>
             </a:pPr>
             <a:r>
-              <a:rPr b="0" lang="en-US" sz="1400" strike="noStrike" u="none">
-                <a:solidFill>
-                  <a:srgbClr val="000000"/>
-                </a:solidFill>
-                <a:uFillTx/>
-                <a:latin typeface="Times New Roman"/>
+              <a:rPr lang="en-US" sz="1400" b="0" u="none" strike="noStrike">
+                <a:solidFill>
+                  <a:srgbClr val="000000"/>
+                </a:solidFill>
+                <a:uFillTx/>
+                <a:latin typeface="Times New Roman" panose="02020603050405020304"/>
               </a:rPr>
               <a:t>&lt;date/time&gt;</a:t>
             </a:r>
-            <a:endParaRPr b="0" lang="en-US" sz="1400" strike="noStrike" u="none">
-              <a:solidFill>
-                <a:srgbClr val="000000"/>
-              </a:solidFill>
-              <a:uFillTx/>
-              <a:latin typeface="Times New Roman"/>
+            <a:endParaRPr lang="en-US" sz="1400" b="0" u="none" strike="noStrike">
+              <a:solidFill>
+                <a:srgbClr val="000000"/>
+              </a:solidFill>
+              <a:uFillTx/>
+              <a:latin typeface="Times New Roman" panose="02020603050405020304"/>
             </a:endParaRPr>
           </a:p>
         </p:txBody>
@@ -996,13 +1093,18 @@
   </p:cSld>
   <p:clrMap bg1="lt1" tx1="dk1" bg2="lt2" tx2="dk2" accent1="accent1" accent2="accent2" accent3="accent3" accent4="accent4" accent5="accent5" accent6="accent6" hlink="hlink" folHlink="folHlink"/>
   <p:sldLayoutIdLst>
-    <p:sldLayoutId id="2147483649" r:id="rId2"/>
+    <p:sldLayoutId id="2147483649" r:id="rId1"/>
   </p:sldLayoutIdLst>
+  <p:txStyles>
+    <p:titleStyle/>
+    <p:bodyStyle/>
+    <p:otherStyle/>
+  </p:txStyles>
 </p:sldMaster>
 </file>
 
 <file path=ppt/slides/slide1.xml><?xml version="1.0" encoding="utf-8"?>
-<p:sld xmlns:a="http://schemas.openxmlformats.org/drawingml/2006/main" xmlns:p="http://schemas.openxmlformats.org/presentationml/2006/main" xmlns:r="http://schemas.openxmlformats.org/officeDocument/2006/relationships" xmlns:p14="http://schemas.microsoft.com/office/powerpoint/2010/main" xmlns:p15="http://schemas.microsoft.com/office/powerpoint/2012/main" xmlns:mc="http://schemas.openxmlformats.org/markup-compatibility/2006">
+<p:sld xmlns:a="http://schemas.openxmlformats.org/drawingml/2006/main" xmlns:r="http://schemas.openxmlformats.org/officeDocument/2006/relationships" xmlns:p="http://schemas.openxmlformats.org/presentationml/2006/main">
   <p:cSld>
     <p:spTree>
       <p:nvGrpSpPr>
@@ -1020,13 +1122,15 @@
       </p:grpSpPr>
       <p:pic>
         <p:nvPicPr>
-          <p:cNvPr id="9" name="" descr=""/>
+          <p:cNvPr id="9" name="Picture 8"/>
           <p:cNvPicPr/>
           <p:nvPr/>
         </p:nvPicPr>
         <p:blipFill>
           <a:blip r:embed="rId1"/>
-          <a:stretch/>
+          <a:stretch>
+            <a:fillRect/>
+          </a:stretch>
         </p:blipFill>
         <p:spPr>
           <a:xfrm>
@@ -1043,13 +1147,15 @@
       </p:pic>
       <p:pic>
         <p:nvPicPr>
-          <p:cNvPr id="10" name="" descr=""/>
+          <p:cNvPr id="10" name="Picture 9"/>
           <p:cNvPicPr/>
           <p:nvPr/>
         </p:nvPicPr>
         <p:blipFill>
           <a:blip r:embed="rId2"/>
-          <a:stretch/>
+          <a:stretch>
+            <a:fillRect/>
+          </a:stretch>
         </p:blipFill>
         <p:spPr>
           <a:xfrm>
@@ -1088,7 +1194,7 @@
           </a:ln>
         </p:spPr>
         <p:txBody>
-          <a:bodyPr lIns="0" rIns="0" tIns="0" bIns="0" anchor="ctr">
+          <a:bodyPr lIns="0" tIns="0" rIns="0" bIns="0" anchor="ctr">
             <a:noAutofit/>
           </a:bodyPr>
           <a:p>
@@ -1098,32 +1204,32 @@
               </a:lnSpc>
               <a:buNone/>
               <a:tabLst>
-                <a:tab algn="l" pos="0"/>
+                <a:tab pos="0" algn="l"/>
               </a:tabLst>
             </a:pPr>
             <a:r>
-              <a:rPr b="0" lang="en-US" sz="4400" strike="noStrike" u="none">
-                <a:solidFill>
-                  <a:srgbClr val="000000"/>
-                </a:solidFill>
-                <a:uFillTx/>
-                <a:latin typeface="Arial"/>
+              <a:rPr lang="en-US" sz="4400" b="0" u="none" strike="noStrike">
+                <a:solidFill>
+                  <a:srgbClr val="000000"/>
+                </a:solidFill>
+                <a:uFillTx/>
+                <a:latin typeface="Arial" panose="020B0604020202020204"/>
               </a:rPr>
               <a:t>Llama Loading File/Disk Read/Write</a:t>
             </a:r>
-            <a:endParaRPr b="0" lang="en-US" sz="4400" strike="noStrike" u="none">
-              <a:solidFill>
-                <a:srgbClr val="000000"/>
-              </a:solidFill>
-              <a:uFillTx/>
-              <a:latin typeface="Arial"/>
+            <a:endParaRPr lang="en-US" sz="4400" b="0" u="none" strike="noStrike">
+              <a:solidFill>
+                <a:srgbClr val="000000"/>
+              </a:solidFill>
+              <a:uFillTx/>
+              <a:latin typeface="Arial" panose="020B0604020202020204"/>
             </a:endParaRPr>
           </a:p>
         </p:txBody>
       </p:sp>
       <p:sp>
         <p:nvSpPr>
-          <p:cNvPr id="12" name=""/>
+          <p:cNvPr id="12" name="Text Box 11"/>
           <p:cNvSpPr txBox="1"/>
           <p:nvPr/>
         </p:nvSpPr>
@@ -1141,96 +1247,99 @@
           </a:ln>
         </p:spPr>
         <p:txBody>
-          <a:bodyPr wrap="none" lIns="90000" rIns="90000" tIns="45000" bIns="45000" anchor="t">
+          <a:bodyPr wrap="none" lIns="90000" tIns="45000" rIns="90000" bIns="45000" anchor="t">
             <a:noAutofit/>
           </a:bodyPr>
           <a:p>
-            <a:pPr marL="216000" indent="-216000">
+            <a:pPr marL="215900" indent="-215900">
               <a:buClr>
                 <a:srgbClr val="000000"/>
               </a:buClr>
               <a:buSzPct val="45000"/>
-              <a:buFont typeface="Wingdings" charset="2"/>
+              <a:buFont typeface="Wingdings" panose="05000000000000000000" pitchFamily="2" charset="2"/>
               <a:buChar char=""/>
             </a:pPr>
             <a:r>
-              <a:rPr b="0" lang="en-US" sz="1600" strike="noStrike" u="none">
-                <a:solidFill>
-                  <a:srgbClr val="000000"/>
-                </a:solidFill>
-                <a:uFillTx/>
-                <a:latin typeface="Arial"/>
+              <a:rPr lang="en-US" sz="1600" b="0" u="none" strike="noStrike">
+                <a:solidFill>
+                  <a:srgbClr val="000000"/>
+                </a:solidFill>
+                <a:uFillTx/>
+                <a:latin typeface="Arial" panose="020B0604020202020204"/>
               </a:rPr>
               <a:t>File read/write: contain file, size and requesting app information only, no LBA info</a:t>
             </a:r>
-            <a:endParaRPr b="0" lang="en-US" sz="1600" strike="noStrike" u="none">
-              <a:solidFill>
-                <a:srgbClr val="000000"/>
-              </a:solidFill>
-              <a:uFillTx/>
-              <a:latin typeface="Arial"/>
-            </a:endParaRPr>
-          </a:p>
-          <a:p>
-            <a:pPr marL="216000" indent="-216000">
+            <a:endParaRPr lang="en-US" sz="1600" b="0" u="none" strike="noStrike">
+              <a:solidFill>
+                <a:srgbClr val="000000"/>
+              </a:solidFill>
+              <a:uFillTx/>
+              <a:latin typeface="Arial" panose="020B0604020202020204"/>
+            </a:endParaRPr>
+          </a:p>
+          <a:p>
+            <a:pPr marL="215900" indent="-215900">
               <a:buClr>
                 <a:srgbClr val="000000"/>
               </a:buClr>
               <a:buSzPct val="45000"/>
-              <a:buFont typeface="Wingdings" charset="2"/>
+              <a:buFont typeface="Wingdings" panose="05000000000000000000" pitchFamily="2" charset="2"/>
               <a:buChar char=""/>
             </a:pPr>
             <a:r>
-              <a:rPr b="0" lang="en-US" sz="1600" strike="noStrike" u="none">
-                <a:solidFill>
-                  <a:srgbClr val="000000"/>
-                </a:solidFill>
-                <a:uFillTx/>
-                <a:latin typeface="Arial"/>
+              <a:rPr lang="en-US" sz="1600" b="0" u="none" strike="noStrike">
+                <a:solidFill>
+                  <a:srgbClr val="000000"/>
+                </a:solidFill>
+                <a:uFillTx/>
+                <a:latin typeface="Arial" panose="020B0604020202020204"/>
               </a:rPr>
               <a:t>Disk read/write: contain LBA and size information only, no file and app info</a:t>
             </a:r>
-            <a:endParaRPr b="0" lang="en-US" sz="1600" strike="noStrike" u="none">
-              <a:solidFill>
-                <a:srgbClr val="000000"/>
-              </a:solidFill>
-              <a:uFillTx/>
-              <a:latin typeface="Arial"/>
-            </a:endParaRPr>
-          </a:p>
-          <a:p>
-            <a:pPr marL="216000" indent="-216000">
+            <a:endParaRPr lang="en-US" sz="1600" b="0" u="none" strike="noStrike">
+              <a:solidFill>
+                <a:srgbClr val="000000"/>
+              </a:solidFill>
+              <a:uFillTx/>
+              <a:latin typeface="Arial" panose="020B0604020202020204"/>
+            </a:endParaRPr>
+          </a:p>
+          <a:p>
+            <a:pPr marL="215900" indent="-215900">
               <a:buClr>
                 <a:srgbClr val="000000"/>
               </a:buClr>
               <a:buSzPct val="45000"/>
-              <a:buFont typeface="Wingdings" charset="2"/>
+              <a:buFont typeface="Wingdings" panose="05000000000000000000" pitchFamily="2" charset="2"/>
               <a:buChar char=""/>
             </a:pPr>
             <a:r>
-              <a:rPr b="0" lang="en-US" sz="1600" strike="noStrike" u="none">
-                <a:solidFill>
-                  <a:srgbClr val="000000"/>
-                </a:solidFill>
-                <a:uFillTx/>
-                <a:latin typeface="Arial"/>
+              <a:rPr lang="en-US" sz="1600" b="0" u="none" strike="noStrike">
+                <a:solidFill>
+                  <a:srgbClr val="000000"/>
+                </a:solidFill>
+                <a:uFillTx/>
+                <a:latin typeface="Arial" panose="020B0604020202020204"/>
               </a:rPr>
               <a:t>Note: file read can be directed to memory, not disk; Thus not all file reads are disk reads</a:t>
             </a:r>
-            <a:endParaRPr b="0" lang="en-US" sz="1600" strike="noStrike" u="none">
-              <a:solidFill>
-                <a:srgbClr val="000000"/>
-              </a:solidFill>
-              <a:uFillTx/>
-              <a:latin typeface="Arial"/>
+            <a:endParaRPr lang="en-US" sz="1600" b="0" u="none" strike="noStrike">
+              <a:solidFill>
+                <a:srgbClr val="000000"/>
+              </a:solidFill>
+              <a:uFillTx/>
+              <a:latin typeface="Arial" panose="020B0604020202020204"/>
             </a:endParaRPr>
           </a:p>
         </p:txBody>
       </p:sp>
     </p:spTree>
   </p:cSld>
-  <mc:AlternateContent>
-    <mc:Choice Requires="p14">
+  <p:clrMapOvr>
+    <a:masterClrMapping/>
+  </p:clrMapOvr>
+  <mc:AlternateContent xmlns:mc="http://schemas.openxmlformats.org/markup-compatibility/2006">
+    <mc:Choice xmlns:p14="http://schemas.microsoft.com/office/powerpoint/2010/main" Requires="p14">
       <p:transition spd="slow" p14:dur="2000"/>
     </mc:Choice>
     <mc:Fallback>
@@ -1241,7 +1350,7 @@
 </file>
 
 <file path=ppt/slides/slide10.xml><?xml version="1.0" encoding="utf-8"?>
-<p:sld xmlns:a="http://schemas.openxmlformats.org/drawingml/2006/main" xmlns:p="http://schemas.openxmlformats.org/presentationml/2006/main" xmlns:r="http://schemas.openxmlformats.org/officeDocument/2006/relationships" xmlns:p14="http://schemas.microsoft.com/office/powerpoint/2010/main" xmlns:p15="http://schemas.microsoft.com/office/powerpoint/2012/main" xmlns:mc="http://schemas.openxmlformats.org/markup-compatibility/2006">
+<p:sld xmlns:a="http://schemas.openxmlformats.org/drawingml/2006/main" xmlns:r="http://schemas.openxmlformats.org/officeDocument/2006/relationships" xmlns:p="http://schemas.openxmlformats.org/presentationml/2006/main">
   <p:cSld>
     <p:spTree>
       <p:nvGrpSpPr>
@@ -1259,13 +1368,15 @@
       </p:grpSpPr>
       <p:pic>
         <p:nvPicPr>
-          <p:cNvPr id="38" name="" descr=""/>
+          <p:cNvPr id="38" name="Picture 37"/>
           <p:cNvPicPr/>
           <p:nvPr/>
         </p:nvPicPr>
         <p:blipFill>
           <a:blip r:embed="rId1"/>
-          <a:stretch/>
+          <a:stretch>
+            <a:fillRect/>
+          </a:stretch>
         </p:blipFill>
         <p:spPr>
           <a:xfrm>
@@ -1282,13 +1393,15 @@
       </p:pic>
       <p:pic>
         <p:nvPicPr>
-          <p:cNvPr id="39" name="" descr=""/>
+          <p:cNvPr id="39" name="Picture 38"/>
           <p:cNvPicPr/>
           <p:nvPr/>
         </p:nvPicPr>
         <p:blipFill>
           <a:blip r:embed="rId2"/>
-          <a:stretch/>
+          <a:stretch>
+            <a:fillRect/>
+          </a:stretch>
         </p:blipFill>
         <p:spPr>
           <a:xfrm>
@@ -1327,27 +1440,30 @@
           </a:ln>
         </p:spPr>
         <p:txBody>
-          <a:bodyPr lIns="0" rIns="0" tIns="0" bIns="0" anchor="ctr">
+          <a:bodyPr lIns="0" tIns="0" rIns="0" bIns="0" anchor="ctr">
             <a:noAutofit/>
           </a:bodyPr>
           <a:p>
             <a:pPr indent="0" algn="ctr">
               <a:buNone/>
             </a:pPr>
-            <a:endParaRPr b="0" lang="en-US" sz="4400" strike="noStrike" u="none">
-              <a:solidFill>
-                <a:srgbClr val="000000"/>
-              </a:solidFill>
-              <a:uFillTx/>
-              <a:latin typeface="Arial"/>
+            <a:endParaRPr lang="en-US" sz="4400" b="0" u="none" strike="noStrike">
+              <a:solidFill>
+                <a:srgbClr val="000000"/>
+              </a:solidFill>
+              <a:uFillTx/>
+              <a:latin typeface="Arial" panose="020B0604020202020204"/>
             </a:endParaRPr>
           </a:p>
         </p:txBody>
       </p:sp>
     </p:spTree>
   </p:cSld>
-  <mc:AlternateContent>
-    <mc:Choice Requires="p14">
+  <p:clrMapOvr>
+    <a:masterClrMapping/>
+  </p:clrMapOvr>
+  <mc:AlternateContent xmlns:mc="http://schemas.openxmlformats.org/markup-compatibility/2006">
+    <mc:Choice xmlns:p14="http://schemas.microsoft.com/office/powerpoint/2010/main" Requires="p14">
       <p:transition spd="slow" p14:dur="2000"/>
     </mc:Choice>
     <mc:Fallback>
@@ -1358,7 +1474,7 @@
 </file>
 
 <file path=ppt/slides/slide2.xml><?xml version="1.0" encoding="utf-8"?>
-<p:sld xmlns:a="http://schemas.openxmlformats.org/drawingml/2006/main" xmlns:p="http://schemas.openxmlformats.org/presentationml/2006/main" xmlns:r="http://schemas.openxmlformats.org/officeDocument/2006/relationships" xmlns:p14="http://schemas.microsoft.com/office/powerpoint/2010/main" xmlns:p15="http://schemas.microsoft.com/office/powerpoint/2012/main" xmlns:mc="http://schemas.openxmlformats.org/markup-compatibility/2006">
+<p:sld xmlns:a="http://schemas.openxmlformats.org/drawingml/2006/main" xmlns:r="http://schemas.openxmlformats.org/officeDocument/2006/relationships" xmlns:p="http://schemas.openxmlformats.org/presentationml/2006/main">
   <p:cSld>
     <p:spTree>
       <p:nvGrpSpPr>
@@ -1376,13 +1492,15 @@
       </p:grpSpPr>
       <p:pic>
         <p:nvPicPr>
-          <p:cNvPr id="13" name="" descr=""/>
+          <p:cNvPr id="13" name="Picture 12"/>
           <p:cNvPicPr/>
           <p:nvPr/>
         </p:nvPicPr>
         <p:blipFill>
           <a:blip r:embed="rId1"/>
-          <a:stretch/>
+          <a:stretch>
+            <a:fillRect/>
+          </a:stretch>
         </p:blipFill>
         <p:spPr>
           <a:xfrm>
@@ -1399,13 +1517,15 @@
       </p:pic>
       <p:pic>
         <p:nvPicPr>
-          <p:cNvPr id="14" name="" descr=""/>
+          <p:cNvPr id="14" name="Picture 13"/>
           <p:cNvPicPr/>
           <p:nvPr/>
         </p:nvPicPr>
         <p:blipFill>
           <a:blip r:embed="rId2"/>
-          <a:stretch/>
+          <a:stretch>
+            <a:fillRect/>
+          </a:stretch>
         </p:blipFill>
         <p:spPr>
           <a:xfrm>
@@ -1444,7 +1564,7 @@
           </a:ln>
         </p:spPr>
         <p:txBody>
-          <a:bodyPr lIns="0" rIns="0" tIns="0" bIns="0" anchor="ctr">
+          <a:bodyPr lIns="0" tIns="0" rIns="0" bIns="0" anchor="ctr">
             <a:noAutofit/>
           </a:bodyPr>
           <a:p>
@@ -1454,33 +1574,36 @@
               </a:lnSpc>
               <a:buNone/>
               <a:tabLst>
-                <a:tab algn="l" pos="0"/>
+                <a:tab pos="0" algn="l"/>
               </a:tabLst>
             </a:pPr>
             <a:r>
-              <a:rPr b="0" lang="en-US" sz="4400" strike="noStrike" u="none">
-                <a:solidFill>
-                  <a:srgbClr val="000000"/>
-                </a:solidFill>
-                <a:uFillTx/>
-                <a:latin typeface="Arial"/>
+              <a:rPr lang="en-US" sz="4400" b="0" u="none" strike="noStrike">
+                <a:solidFill>
+                  <a:srgbClr val="000000"/>
+                </a:solidFill>
+                <a:uFillTx/>
+                <a:latin typeface="Arial" panose="020B0604020202020204"/>
               </a:rPr>
               <a:t>Llama Loading Read LBA Patterns</a:t>
             </a:r>
-            <a:endParaRPr b="0" lang="en-US" sz="4400" strike="noStrike" u="none">
-              <a:solidFill>
-                <a:srgbClr val="000000"/>
-              </a:solidFill>
-              <a:uFillTx/>
-              <a:latin typeface="Arial"/>
+            <a:endParaRPr lang="en-US" sz="4400" b="0" u="none" strike="noStrike">
+              <a:solidFill>
+                <a:srgbClr val="000000"/>
+              </a:solidFill>
+              <a:uFillTx/>
+              <a:latin typeface="Arial" panose="020B0604020202020204"/>
             </a:endParaRPr>
           </a:p>
         </p:txBody>
       </p:sp>
     </p:spTree>
   </p:cSld>
-  <mc:AlternateContent>
-    <mc:Choice Requires="p14">
+  <p:clrMapOvr>
+    <a:masterClrMapping/>
+  </p:clrMapOvr>
+  <mc:AlternateContent xmlns:mc="http://schemas.openxmlformats.org/markup-compatibility/2006">
+    <mc:Choice xmlns:p14="http://schemas.microsoft.com/office/powerpoint/2010/main" Requires="p14">
       <p:transition spd="slow" p14:dur="2000"/>
     </mc:Choice>
     <mc:Fallback>
@@ -1491,7 +1614,7 @@
 </file>
 
 <file path=ppt/slides/slide3.xml><?xml version="1.0" encoding="utf-8"?>
-<p:sld xmlns:a="http://schemas.openxmlformats.org/drawingml/2006/main" xmlns:p="http://schemas.openxmlformats.org/presentationml/2006/main" xmlns:r="http://schemas.openxmlformats.org/officeDocument/2006/relationships" xmlns:p14="http://schemas.microsoft.com/office/powerpoint/2010/main" xmlns:p15="http://schemas.microsoft.com/office/powerpoint/2012/main" xmlns:mc="http://schemas.openxmlformats.org/markup-compatibility/2006">
+<p:sld xmlns:a="http://schemas.openxmlformats.org/drawingml/2006/main" xmlns:r="http://schemas.openxmlformats.org/officeDocument/2006/relationships" xmlns:p="http://schemas.openxmlformats.org/presentationml/2006/main">
   <p:cSld>
     <p:spTree>
       <p:nvGrpSpPr>
@@ -1509,13 +1632,15 @@
       </p:grpSpPr>
       <p:pic>
         <p:nvPicPr>
-          <p:cNvPr id="16" name="" descr=""/>
+          <p:cNvPr id="16" name="Picture 15"/>
           <p:cNvPicPr/>
           <p:nvPr/>
         </p:nvPicPr>
         <p:blipFill>
           <a:blip r:embed="rId1"/>
-          <a:stretch/>
+          <a:stretch>
+            <a:fillRect/>
+          </a:stretch>
         </p:blipFill>
         <p:spPr>
           <a:xfrm>
@@ -1532,13 +1657,15 @@
       </p:pic>
       <p:pic>
         <p:nvPicPr>
-          <p:cNvPr id="17" name="" descr=""/>
+          <p:cNvPr id="17" name="Picture 16"/>
           <p:cNvPicPr/>
           <p:nvPr/>
         </p:nvPicPr>
         <p:blipFill>
           <a:blip r:embed="rId2"/>
-          <a:stretch/>
+          <a:stretch>
+            <a:fillRect/>
+          </a:stretch>
         </p:blipFill>
         <p:spPr>
           <a:xfrm>
@@ -1577,7 +1704,7 @@
           </a:ln>
         </p:spPr>
         <p:txBody>
-          <a:bodyPr lIns="0" rIns="0" tIns="0" bIns="0" anchor="ctr">
+          <a:bodyPr lIns="0" tIns="0" rIns="0" bIns="0" anchor="ctr">
             <a:noAutofit/>
           </a:bodyPr>
           <a:p>
@@ -1587,33 +1714,36 @@
               </a:lnSpc>
               <a:buNone/>
               <a:tabLst>
-                <a:tab algn="l" pos="0"/>
+                <a:tab pos="0" algn="l"/>
               </a:tabLst>
             </a:pPr>
             <a:r>
-              <a:rPr b="0" lang="en-US" sz="4400" strike="noStrike" u="none">
-                <a:solidFill>
-                  <a:srgbClr val="000000"/>
-                </a:solidFill>
-                <a:uFillTx/>
-                <a:latin typeface="Arial"/>
+              <a:rPr lang="en-US" sz="4400" b="0" u="none" strike="noStrike">
+                <a:solidFill>
+                  <a:srgbClr val="000000"/>
+                </a:solidFill>
+                <a:uFillTx/>
+                <a:latin typeface="Arial" panose="020B0604020202020204"/>
               </a:rPr>
               <a:t>Llama Loading Write LBA Patterns</a:t>
             </a:r>
-            <a:endParaRPr b="0" lang="en-US" sz="4400" strike="noStrike" u="none">
-              <a:solidFill>
-                <a:srgbClr val="000000"/>
-              </a:solidFill>
-              <a:uFillTx/>
-              <a:latin typeface="Arial"/>
+            <a:endParaRPr lang="en-US" sz="4400" b="0" u="none" strike="noStrike">
+              <a:solidFill>
+                <a:srgbClr val="000000"/>
+              </a:solidFill>
+              <a:uFillTx/>
+              <a:latin typeface="Arial" panose="020B0604020202020204"/>
             </a:endParaRPr>
           </a:p>
         </p:txBody>
       </p:sp>
     </p:spTree>
   </p:cSld>
-  <mc:AlternateContent>
-    <mc:Choice Requires="p14">
+  <p:clrMapOvr>
+    <a:masterClrMapping/>
+  </p:clrMapOvr>
+  <mc:AlternateContent xmlns:mc="http://schemas.openxmlformats.org/markup-compatibility/2006">
+    <mc:Choice xmlns:p14="http://schemas.microsoft.com/office/powerpoint/2010/main" Requires="p14">
       <p:transition spd="slow" p14:dur="2000"/>
     </mc:Choice>
     <mc:Fallback>
@@ -1624,7 +1754,7 @@
 </file>
 
 <file path=ppt/slides/slide4.xml><?xml version="1.0" encoding="utf-8"?>
-<p:sld xmlns:a="http://schemas.openxmlformats.org/drawingml/2006/main" xmlns:p="http://schemas.openxmlformats.org/presentationml/2006/main" xmlns:r="http://schemas.openxmlformats.org/officeDocument/2006/relationships" xmlns:p14="http://schemas.microsoft.com/office/powerpoint/2010/main" xmlns:p15="http://schemas.microsoft.com/office/powerpoint/2012/main" xmlns:mc="http://schemas.openxmlformats.org/markup-compatibility/2006">
+<p:sld xmlns:a="http://schemas.openxmlformats.org/drawingml/2006/main" xmlns:r="http://schemas.openxmlformats.org/officeDocument/2006/relationships" xmlns:p="http://schemas.openxmlformats.org/presentationml/2006/main">
   <p:cSld>
     <p:spTree>
       <p:nvGrpSpPr>
@@ -1642,13 +1772,15 @@
       </p:grpSpPr>
       <p:pic>
         <p:nvPicPr>
-          <p:cNvPr id="19" name="" descr=""/>
+          <p:cNvPr id="19" name="Picture 18"/>
           <p:cNvPicPr/>
           <p:nvPr/>
         </p:nvPicPr>
         <p:blipFill>
           <a:blip r:embed="rId1"/>
-          <a:stretch/>
+          <a:stretch>
+            <a:fillRect/>
+          </a:stretch>
         </p:blipFill>
         <p:spPr>
           <a:xfrm>
@@ -1665,13 +1797,15 @@
       </p:pic>
       <p:pic>
         <p:nvPicPr>
-          <p:cNvPr id="20" name="" descr=""/>
+          <p:cNvPr id="20" name="Picture 19"/>
           <p:cNvPicPr/>
           <p:nvPr/>
         </p:nvPicPr>
         <p:blipFill>
           <a:blip r:embed="rId2"/>
-          <a:stretch/>
+          <a:stretch>
+            <a:fillRect/>
+          </a:stretch>
         </p:blipFill>
         <p:spPr>
           <a:xfrm>
@@ -1710,7 +1844,7 @@
           </a:ln>
         </p:spPr>
         <p:txBody>
-          <a:bodyPr lIns="0" rIns="0" tIns="0" bIns="0" anchor="ctr">
+          <a:bodyPr lIns="0" tIns="0" rIns="0" bIns="0" anchor="ctr">
             <a:noAutofit/>
           </a:bodyPr>
           <a:p>
@@ -1720,33 +1854,36 @@
               </a:lnSpc>
               <a:buNone/>
               <a:tabLst>
-                <a:tab algn="l" pos="0"/>
+                <a:tab pos="0" algn="l"/>
               </a:tabLst>
             </a:pPr>
             <a:r>
-              <a:rPr b="0" lang="en-US" sz="4400" strike="noStrike" u="none">
-                <a:solidFill>
-                  <a:srgbClr val="000000"/>
-                </a:solidFill>
-                <a:uFillTx/>
-                <a:latin typeface="Arial"/>
+              <a:rPr lang="en-US" sz="4400" b="0" u="none" strike="noStrike">
+                <a:solidFill>
+                  <a:srgbClr val="000000"/>
+                </a:solidFill>
+                <a:uFillTx/>
+                <a:latin typeface="Arial" panose="020B0604020202020204"/>
               </a:rPr>
               <a:t>Llama Loading Memory Swaps</a:t>
             </a:r>
-            <a:endParaRPr b="0" lang="en-US" sz="4400" strike="noStrike" u="none">
-              <a:solidFill>
-                <a:srgbClr val="000000"/>
-              </a:solidFill>
-              <a:uFillTx/>
-              <a:latin typeface="Arial"/>
+            <a:endParaRPr lang="en-US" sz="4400" b="0" u="none" strike="noStrike">
+              <a:solidFill>
+                <a:srgbClr val="000000"/>
+              </a:solidFill>
+              <a:uFillTx/>
+              <a:latin typeface="Arial" panose="020B0604020202020204"/>
             </a:endParaRPr>
           </a:p>
         </p:txBody>
       </p:sp>
     </p:spTree>
   </p:cSld>
-  <mc:AlternateContent>
-    <mc:Choice Requires="p14">
+  <p:clrMapOvr>
+    <a:masterClrMapping/>
+  </p:clrMapOvr>
+  <mc:AlternateContent xmlns:mc="http://schemas.openxmlformats.org/markup-compatibility/2006">
+    <mc:Choice xmlns:p14="http://schemas.microsoft.com/office/powerpoint/2010/main" Requires="p14">
       <p:transition spd="slow" p14:dur="2000"/>
     </mc:Choice>
     <mc:Fallback>
@@ -1757,7 +1894,7 @@
 </file>
 
 <file path=ppt/slides/slide5.xml><?xml version="1.0" encoding="utf-8"?>
-<p:sld xmlns:a="http://schemas.openxmlformats.org/drawingml/2006/main" xmlns:p="http://schemas.openxmlformats.org/presentationml/2006/main" xmlns:r="http://schemas.openxmlformats.org/officeDocument/2006/relationships" xmlns:p14="http://schemas.microsoft.com/office/powerpoint/2010/main" xmlns:p15="http://schemas.microsoft.com/office/powerpoint/2012/main" xmlns:mc="http://schemas.openxmlformats.org/markup-compatibility/2006">
+<p:sld xmlns:a="http://schemas.openxmlformats.org/drawingml/2006/main" xmlns:r="http://schemas.openxmlformats.org/officeDocument/2006/relationships" xmlns:p="http://schemas.openxmlformats.org/presentationml/2006/main">
   <p:cSld>
     <p:spTree>
       <p:nvGrpSpPr>
@@ -1775,13 +1912,15 @@
       </p:grpSpPr>
       <p:pic>
         <p:nvPicPr>
-          <p:cNvPr id="22" name="" descr=""/>
+          <p:cNvPr id="22" name="Picture 21"/>
           <p:cNvPicPr/>
           <p:nvPr/>
         </p:nvPicPr>
         <p:blipFill>
           <a:blip r:embed="rId1"/>
-          <a:stretch/>
+          <a:stretch>
+            <a:fillRect/>
+          </a:stretch>
         </p:blipFill>
         <p:spPr>
           <a:xfrm>
@@ -1820,7 +1959,7 @@
           </a:ln>
         </p:spPr>
         <p:txBody>
-          <a:bodyPr lIns="0" rIns="0" tIns="0" bIns="0" anchor="ctr">
+          <a:bodyPr lIns="0" tIns="0" rIns="0" bIns="0" anchor="ctr">
             <a:noAutofit/>
           </a:bodyPr>
           <a:p>
@@ -1830,25 +1969,25 @@
               </a:lnSpc>
               <a:buNone/>
               <a:tabLst>
-                <a:tab algn="l" pos="0"/>
+                <a:tab pos="0" algn="l"/>
               </a:tabLst>
             </a:pPr>
             <a:r>
-              <a:rPr b="0" lang="en-US" sz="4400" strike="noStrike" u="none">
-                <a:solidFill>
-                  <a:srgbClr val="000000"/>
-                </a:solidFill>
-                <a:uFillTx/>
-                <a:latin typeface="Arial"/>
+              <a:rPr lang="en-US" sz="4400" b="0" u="none" strike="noStrike">
+                <a:solidFill>
+                  <a:srgbClr val="000000"/>
+                </a:solidFill>
+                <a:uFillTx/>
+                <a:latin typeface="Arial" panose="020B0604020202020204"/>
               </a:rPr>
               <a:t>Llama Loading Power Consumption</a:t>
             </a:r>
-            <a:endParaRPr b="0" lang="en-US" sz="4400" strike="noStrike" u="none">
-              <a:solidFill>
-                <a:srgbClr val="000000"/>
-              </a:solidFill>
-              <a:uFillTx/>
-              <a:latin typeface="Arial"/>
+            <a:endParaRPr lang="en-US" sz="4400" b="0" u="none" strike="noStrike">
+              <a:solidFill>
+                <a:srgbClr val="000000"/>
+              </a:solidFill>
+              <a:uFillTx/>
+              <a:latin typeface="Arial" panose="020B0604020202020204"/>
             </a:endParaRPr>
           </a:p>
         </p:txBody>
@@ -1877,45 +2016,48 @@
           </a:ln>
         </p:spPr>
         <p:txBody>
-          <a:bodyPr lIns="0" rIns="0" tIns="0" bIns="0" anchor="t">
+          <a:bodyPr lIns="0" tIns="0" rIns="0" bIns="0" anchor="t">
             <a:normAutofit/>
           </a:bodyPr>
           <a:p>
-            <a:pPr marL="432000" indent="-324000">
+            <a:pPr marL="431800" indent="-323850">
               <a:spcBef>
-                <a:spcPts val="1417"/>
+                <a:spcPts val="1415"/>
               </a:spcBef>
               <a:buClr>
                 <a:srgbClr val="000000"/>
               </a:buClr>
               <a:buSzPct val="45000"/>
-              <a:buFont typeface="Wingdings" charset="2"/>
+              <a:buFont typeface="Wingdings" panose="05000000000000000000" pitchFamily="2" charset="2"/>
               <a:buChar char=""/>
             </a:pPr>
             <a:r>
-              <a:rPr b="0" lang="en-US" sz="3200" strike="noStrike" u="none">
-                <a:solidFill>
-                  <a:srgbClr val="000000"/>
-                </a:solidFill>
-                <a:uFillTx/>
-                <a:latin typeface="Arial"/>
+              <a:rPr lang="en-US" sz="3200" b="0" u="none" strike="noStrike">
+                <a:solidFill>
+                  <a:srgbClr val="000000"/>
+                </a:solidFill>
+                <a:uFillTx/>
+                <a:latin typeface="Arial" panose="020B0604020202020204"/>
               </a:rPr>
               <a:t>No counters for SSD power</a:t>
             </a:r>
-            <a:endParaRPr b="0" lang="en-US" sz="3200" strike="noStrike" u="none">
-              <a:solidFill>
-                <a:srgbClr val="000000"/>
-              </a:solidFill>
-              <a:uFillTx/>
-              <a:latin typeface="Arial"/>
+            <a:endParaRPr lang="en-US" sz="3200" b="0" u="none" strike="noStrike">
+              <a:solidFill>
+                <a:srgbClr val="000000"/>
+              </a:solidFill>
+              <a:uFillTx/>
+              <a:latin typeface="Arial" panose="020B0604020202020204"/>
             </a:endParaRPr>
           </a:p>
         </p:txBody>
       </p:sp>
     </p:spTree>
   </p:cSld>
-  <mc:AlternateContent>
-    <mc:Choice Requires="p14">
+  <p:clrMapOvr>
+    <a:masterClrMapping/>
+  </p:clrMapOvr>
+  <mc:AlternateContent xmlns:mc="http://schemas.openxmlformats.org/markup-compatibility/2006">
+    <mc:Choice xmlns:p14="http://schemas.microsoft.com/office/powerpoint/2010/main" Requires="p14">
       <p:transition spd="slow" p14:dur="2000"/>
     </mc:Choice>
     <mc:Fallback>
@@ -1926,7 +2068,7 @@
 </file>
 
 <file path=ppt/slides/slide6.xml><?xml version="1.0" encoding="utf-8"?>
-<p:sld xmlns:a="http://schemas.openxmlformats.org/drawingml/2006/main" xmlns:p="http://schemas.openxmlformats.org/presentationml/2006/main" xmlns:r="http://schemas.openxmlformats.org/officeDocument/2006/relationships" xmlns:p14="http://schemas.microsoft.com/office/powerpoint/2010/main" xmlns:p15="http://schemas.microsoft.com/office/powerpoint/2012/main" xmlns:mc="http://schemas.openxmlformats.org/markup-compatibility/2006">
+<p:sld xmlns:a="http://schemas.openxmlformats.org/drawingml/2006/main" xmlns:r="http://schemas.openxmlformats.org/officeDocument/2006/relationships" xmlns:p="http://schemas.openxmlformats.org/presentationml/2006/main">
   <p:cSld>
     <p:spTree>
       <p:nvGrpSpPr>
@@ -1944,13 +2086,15 @@
       </p:grpSpPr>
       <p:pic>
         <p:nvPicPr>
-          <p:cNvPr id="25" name="" descr=""/>
+          <p:cNvPr id="25" name="Picture 24"/>
           <p:cNvPicPr/>
           <p:nvPr/>
         </p:nvPicPr>
         <p:blipFill>
           <a:blip r:embed="rId1"/>
-          <a:stretch/>
+          <a:stretch>
+            <a:fillRect/>
+          </a:stretch>
         </p:blipFill>
         <p:spPr>
           <a:xfrm>
@@ -1989,7 +2133,7 @@
           </a:ln>
         </p:spPr>
         <p:txBody>
-          <a:bodyPr lIns="0" rIns="0" tIns="0" bIns="0" anchor="ctr">
+          <a:bodyPr lIns="0" tIns="0" rIns="0" bIns="0" anchor="ctr">
             <a:noAutofit/>
           </a:bodyPr>
           <a:p>
@@ -1999,25 +2143,25 @@
               </a:lnSpc>
               <a:buNone/>
               <a:tabLst>
-                <a:tab algn="l" pos="0"/>
+                <a:tab pos="0" algn="l"/>
               </a:tabLst>
             </a:pPr>
             <a:r>
-              <a:rPr b="0" lang="en-US" sz="4200" strike="noStrike" u="none">
-                <a:solidFill>
-                  <a:srgbClr val="000000"/>
-                </a:solidFill>
-                <a:uFillTx/>
-                <a:latin typeface="Arial"/>
+              <a:rPr lang="en-US" sz="4200" b="0" u="none" strike="noStrike">
+                <a:solidFill>
+                  <a:srgbClr val="000000"/>
+                </a:solidFill>
+                <a:uFillTx/>
+                <a:latin typeface="Arial" panose="020B0604020202020204"/>
               </a:rPr>
               <a:t>Llama Loading CPU and Disk Activity</a:t>
             </a:r>
-            <a:endParaRPr b="0" lang="en-US" sz="4200" strike="noStrike" u="none">
-              <a:solidFill>
-                <a:srgbClr val="000000"/>
-              </a:solidFill>
-              <a:uFillTx/>
-              <a:latin typeface="Arial"/>
+            <a:endParaRPr lang="en-US" sz="4200" b="0" u="none" strike="noStrike">
+              <a:solidFill>
+                <a:srgbClr val="000000"/>
+              </a:solidFill>
+              <a:uFillTx/>
+              <a:latin typeface="Arial" panose="020B0604020202020204"/>
             </a:endParaRPr>
           </a:p>
         </p:txBody>
@@ -2046,44 +2190,47 @@
           </a:ln>
         </p:spPr>
         <p:txBody>
-          <a:bodyPr lIns="0" rIns="0" tIns="0" bIns="0" anchor="t">
+          <a:bodyPr lIns="0" tIns="0" rIns="0" bIns="0" anchor="t">
             <a:normAutofit/>
           </a:bodyPr>
           <a:p>
-            <a:pPr indent="-324000">
+            <a:pPr indent="-323850">
               <a:lnSpc>
                 <a:spcPct val="100000"/>
               </a:lnSpc>
               <a:buClr>
                 <a:srgbClr val="000000"/>
               </a:buClr>
-              <a:buFont typeface="Wingdings" charset="2"/>
+              <a:buFont typeface="Wingdings" panose="05000000000000000000" pitchFamily="2" charset="2"/>
               <a:buChar char=""/>
             </a:pPr>
             <a:r>
-              <a:rPr b="0" lang="en-US" sz="1800" strike="noStrike" u="none">
-                <a:solidFill>
-                  <a:srgbClr val="000000"/>
-                </a:solidFill>
-                <a:uFillTx/>
-                <a:latin typeface="Arial"/>
+              <a:rPr lang="en-US" sz="1800" b="0" u="none" strike="noStrike">
+                <a:solidFill>
+                  <a:srgbClr val="000000"/>
+                </a:solidFill>
+                <a:uFillTx/>
+                <a:latin typeface="Arial" panose="020B0604020202020204"/>
               </a:rPr>
               <a:t>Percentage of time CPU and SSD is active</a:t>
             </a:r>
-            <a:endParaRPr b="0" lang="en-US" sz="1800" strike="noStrike" u="none">
-              <a:solidFill>
-                <a:srgbClr val="000000"/>
-              </a:solidFill>
-              <a:uFillTx/>
-              <a:latin typeface="Arial"/>
+            <a:endParaRPr lang="en-US" sz="1800" b="0" u="none" strike="noStrike">
+              <a:solidFill>
+                <a:srgbClr val="000000"/>
+              </a:solidFill>
+              <a:uFillTx/>
+              <a:latin typeface="Arial" panose="020B0604020202020204"/>
             </a:endParaRPr>
           </a:p>
         </p:txBody>
       </p:sp>
     </p:spTree>
   </p:cSld>
-  <mc:AlternateContent>
-    <mc:Choice Requires="p14">
+  <p:clrMapOvr>
+    <a:masterClrMapping/>
+  </p:clrMapOvr>
+  <mc:AlternateContent xmlns:mc="http://schemas.openxmlformats.org/markup-compatibility/2006">
+    <mc:Choice xmlns:p14="http://schemas.microsoft.com/office/powerpoint/2010/main" Requires="p14">
       <p:transition spd="slow" p14:dur="2000"/>
     </mc:Choice>
     <mc:Fallback>
@@ -2094,7 +2241,7 @@
 </file>
 
 <file path=ppt/slides/slide7.xml><?xml version="1.0" encoding="utf-8"?>
-<p:sld xmlns:a="http://schemas.openxmlformats.org/drawingml/2006/main" xmlns:p="http://schemas.openxmlformats.org/presentationml/2006/main" xmlns:r="http://schemas.openxmlformats.org/officeDocument/2006/relationships" xmlns:p14="http://schemas.microsoft.com/office/powerpoint/2010/main" xmlns:p15="http://schemas.microsoft.com/office/powerpoint/2012/main" xmlns:mc="http://schemas.openxmlformats.org/markup-compatibility/2006">
+<p:sld xmlns:a="http://schemas.openxmlformats.org/drawingml/2006/main" xmlns:r="http://schemas.openxmlformats.org/officeDocument/2006/relationships" xmlns:p="http://schemas.openxmlformats.org/presentationml/2006/main">
   <p:cSld>
     <p:spTree>
       <p:nvGrpSpPr>
@@ -2112,13 +2259,15 @@
       </p:grpSpPr>
       <p:pic>
         <p:nvPicPr>
-          <p:cNvPr id="28" name="" descr=""/>
+          <p:cNvPr id="28" name="Picture 27"/>
           <p:cNvPicPr/>
           <p:nvPr/>
         </p:nvPicPr>
         <p:blipFill>
           <a:blip r:embed="rId1"/>
-          <a:stretch/>
+          <a:stretch>
+            <a:fillRect/>
+          </a:stretch>
         </p:blipFill>
         <p:spPr>
           <a:xfrm>
@@ -2157,7 +2306,7 @@
           </a:ln>
         </p:spPr>
         <p:txBody>
-          <a:bodyPr lIns="0" rIns="0" tIns="0" bIns="0" anchor="ctr">
+          <a:bodyPr lIns="0" tIns="0" rIns="0" bIns="0" anchor="ctr">
             <a:noAutofit/>
           </a:bodyPr>
           <a:p>
@@ -2167,32 +2316,32 @@
               </a:lnSpc>
               <a:buNone/>
               <a:tabLst>
-                <a:tab algn="l" pos="0"/>
+                <a:tab pos="0" algn="l"/>
               </a:tabLst>
             </a:pPr>
             <a:r>
-              <a:rPr b="0" lang="en-US" sz="4400" strike="noStrike" u="none">
-                <a:solidFill>
-                  <a:srgbClr val="000000"/>
-                </a:solidFill>
-                <a:uFillTx/>
-                <a:latin typeface="Arial"/>
+              <a:rPr lang="en-US" sz="4400" b="0" u="none" strike="noStrike">
+                <a:solidFill>
+                  <a:srgbClr val="000000"/>
+                </a:solidFill>
+                <a:uFillTx/>
+                <a:latin typeface="Arial" panose="020B0604020202020204"/>
               </a:rPr>
               <a:t>Llama Loading SSD BW/IOps</a:t>
             </a:r>
-            <a:endParaRPr b="0" lang="en-US" sz="4400" strike="noStrike" u="none">
-              <a:solidFill>
-                <a:srgbClr val="000000"/>
-              </a:solidFill>
-              <a:uFillTx/>
-              <a:latin typeface="Arial"/>
+            <a:endParaRPr lang="en-US" sz="4400" b="0" u="none" strike="noStrike">
+              <a:solidFill>
+                <a:srgbClr val="000000"/>
+              </a:solidFill>
+              <a:uFillTx/>
+              <a:latin typeface="Arial" panose="020B0604020202020204"/>
             </a:endParaRPr>
           </a:p>
         </p:txBody>
       </p:sp>
       <p:sp>
         <p:nvSpPr>
-          <p:cNvPr id="30" name=""/>
+          <p:cNvPr id="30" name="Text Box 29"/>
           <p:cNvSpPr txBox="1"/>
           <p:nvPr/>
         </p:nvSpPr>
@@ -2210,57 +2359,61 @@
           </a:ln>
         </p:spPr>
         <p:txBody>
-          <a:bodyPr wrap="none" lIns="90000" rIns="90000" tIns="45000" bIns="45000" anchor="t">
+          <a:bodyPr wrap="none" lIns="90000" tIns="45000" rIns="90000" bIns="45000" anchor="t">
             <a:noAutofit/>
           </a:bodyPr>
           <a:p>
             <a:r>
-              <a:rPr b="0" lang="en-US" sz="1800" strike="noStrike" u="none">
-                <a:solidFill>
-                  <a:srgbClr val="000000"/>
-                </a:solidFill>
-                <a:uFillTx/>
-                <a:latin typeface="Arial"/>
+              <a:rPr lang="en-US" sz="1800" b="0" u="none" strike="noStrike">
+                <a:solidFill>
+                  <a:srgbClr val="000000"/>
+                </a:solidFill>
+                <a:uFillTx/>
+                <a:latin typeface="Arial" panose="020B0604020202020204"/>
               </a:rPr>
               <a:t>System performance counter, not processed from traffic trace</a:t>
             </a:r>
-            <a:endParaRPr b="0" lang="en-US" sz="1800" strike="noStrike" u="none">
-              <a:solidFill>
-                <a:srgbClr val="000000"/>
-              </a:solidFill>
-              <a:uFillTx/>
-              <a:latin typeface="Arial"/>
+            <a:endParaRPr lang="en-US" sz="1800" b="0" u="none" strike="noStrike">
+              <a:solidFill>
+                <a:srgbClr val="000000"/>
+              </a:solidFill>
+              <a:uFillTx/>
+              <a:latin typeface="Arial" panose="020B0604020202020204"/>
             </a:endParaRPr>
           </a:p>
         </p:txBody>
       </p:sp>
       <p:pic>
         <p:nvPicPr>
-          <p:cNvPr id="31" name="" descr=""/>
-          <p:cNvPicPr/>
+          <p:cNvPr id="2" name="Picture 1"/>
+          <p:cNvPicPr>
+            <a:picLocks noChangeAspect="1"/>
+          </p:cNvPicPr>
           <p:nvPr/>
         </p:nvPicPr>
         <p:blipFill>
           <a:blip r:embed="rId2"/>
-          <a:stretch/>
+          <a:stretch>
+            <a:fillRect/>
+          </a:stretch>
         </p:blipFill>
         <p:spPr>
           <a:xfrm>
-            <a:off x="5257800" y="1336320"/>
-            <a:ext cx="4273560" cy="3235680"/>
-          </a:xfrm>
-          <a:prstGeom prst="rect">
-            <a:avLst/>
-          </a:prstGeom>
-          <a:ln w="0">
-            <a:noFill/>
-          </a:ln>
+            <a:off x="5382260" y="1326515"/>
+            <a:ext cx="4081780" cy="3291840"/>
+          </a:xfrm>
+          <a:prstGeom prst="rect">
+            <a:avLst/>
+          </a:prstGeom>
         </p:spPr>
       </p:pic>
     </p:spTree>
   </p:cSld>
-  <mc:AlternateContent>
-    <mc:Choice Requires="p14">
+  <p:clrMapOvr>
+    <a:masterClrMapping/>
+  </p:clrMapOvr>
+  <mc:AlternateContent xmlns:mc="http://schemas.openxmlformats.org/markup-compatibility/2006">
+    <mc:Choice xmlns:p14="http://schemas.microsoft.com/office/powerpoint/2010/main" Requires="p14">
       <p:transition spd="slow" p14:dur="2000"/>
     </mc:Choice>
     <mc:Fallback>
@@ -2271,7 +2424,7 @@
 </file>
 
 <file path=ppt/slides/slide8.xml><?xml version="1.0" encoding="utf-8"?>
-<p:sld xmlns:a="http://schemas.openxmlformats.org/drawingml/2006/main" xmlns:p="http://schemas.openxmlformats.org/presentationml/2006/main" xmlns:r="http://schemas.openxmlformats.org/officeDocument/2006/relationships" xmlns:p14="http://schemas.microsoft.com/office/powerpoint/2010/main" xmlns:p15="http://schemas.microsoft.com/office/powerpoint/2012/main" xmlns:mc="http://schemas.openxmlformats.org/markup-compatibility/2006">
+<p:sld xmlns:a="http://schemas.openxmlformats.org/drawingml/2006/main" xmlns:r="http://schemas.openxmlformats.org/officeDocument/2006/relationships" xmlns:p="http://schemas.openxmlformats.org/presentationml/2006/main">
   <p:cSld>
     <p:spTree>
       <p:nvGrpSpPr>
@@ -2289,13 +2442,15 @@
       </p:grpSpPr>
       <p:pic>
         <p:nvPicPr>
-          <p:cNvPr id="32" name="" descr=""/>
+          <p:cNvPr id="32" name="Picture 31"/>
           <p:cNvPicPr/>
           <p:nvPr/>
         </p:nvPicPr>
         <p:blipFill>
           <a:blip r:embed="rId1"/>
-          <a:stretch/>
+          <a:stretch>
+            <a:fillRect/>
+          </a:stretch>
         </p:blipFill>
         <p:spPr>
           <a:xfrm>
@@ -2334,7 +2489,7 @@
           </a:ln>
         </p:spPr>
         <p:txBody>
-          <a:bodyPr lIns="0" rIns="0" tIns="0" bIns="0" anchor="ctr">
+          <a:bodyPr lIns="0" tIns="0" rIns="0" bIns="0" anchor="ctr">
             <a:noAutofit/>
           </a:bodyPr>
           <a:p>
@@ -2344,25 +2499,25 @@
               </a:lnSpc>
               <a:buNone/>
               <a:tabLst>
-                <a:tab algn="l" pos="0"/>
+                <a:tab pos="0" algn="l"/>
               </a:tabLst>
             </a:pPr>
             <a:r>
-              <a:rPr b="0" lang="en-US" sz="4400" strike="noStrike" u="none">
-                <a:solidFill>
-                  <a:srgbClr val="000000"/>
-                </a:solidFill>
-                <a:uFillTx/>
-                <a:latin typeface="Arial"/>
+              <a:rPr lang="en-US" sz="4400" b="0" u="none" strike="noStrike">
+                <a:solidFill>
+                  <a:srgbClr val="000000"/>
+                </a:solidFill>
+                <a:uFillTx/>
+                <a:latin typeface="Arial" panose="020B0604020202020204"/>
               </a:rPr>
               <a:t>Llama Loading SSD BW/IOps</a:t>
             </a:r>
-            <a:endParaRPr b="0" lang="en-US" sz="4400" strike="noStrike" u="none">
-              <a:solidFill>
-                <a:srgbClr val="000000"/>
-              </a:solidFill>
-              <a:uFillTx/>
-              <a:latin typeface="Arial"/>
+            <a:endParaRPr lang="en-US" sz="4400" b="0" u="none" strike="noStrike">
+              <a:solidFill>
+                <a:srgbClr val="000000"/>
+              </a:solidFill>
+              <a:uFillTx/>
+              <a:latin typeface="Arial" panose="020B0604020202020204"/>
             </a:endParaRPr>
           </a:p>
         </p:txBody>
@@ -2391,77 +2546,80 @@
           </a:ln>
         </p:spPr>
         <p:txBody>
-          <a:bodyPr lIns="0" rIns="0" tIns="0" bIns="0" anchor="t">
+          <a:bodyPr lIns="0" tIns="0" rIns="0" bIns="0" anchor="t">
             <a:normAutofit/>
           </a:bodyPr>
           <a:p>
-            <a:pPr indent="-324000">
+            <a:pPr indent="-323850">
               <a:lnSpc>
                 <a:spcPct val="100000"/>
               </a:lnSpc>
               <a:buClr>
                 <a:srgbClr val="000000"/>
               </a:buClr>
-              <a:buFont typeface="Wingdings" charset="2"/>
+              <a:buFont typeface="Wingdings" panose="05000000000000000000" pitchFamily="2" charset="2"/>
               <a:buChar char=""/>
             </a:pPr>
             <a:r>
-              <a:rPr b="0" lang="en-US" sz="3200" strike="noStrike" u="none">
-                <a:solidFill>
-                  <a:srgbClr val="000000"/>
-                </a:solidFill>
-                <a:uFillTx/>
-                <a:latin typeface="Arial"/>
+              <a:rPr lang="en-US" sz="3200" b="0" u="none" strike="noStrike">
+                <a:solidFill>
+                  <a:srgbClr val="000000"/>
+                </a:solidFill>
+                <a:uFillTx/>
+                <a:latin typeface="Arial" panose="020B0604020202020204"/>
               </a:rPr>
               <a:t>Not sure what is contained in a zone</a:t>
             </a:r>
-            <a:endParaRPr b="0" lang="en-US" sz="3200" strike="noStrike" u="none">
-              <a:solidFill>
-                <a:srgbClr val="000000"/>
-              </a:solidFill>
-              <a:uFillTx/>
-              <a:latin typeface="Arial"/>
-            </a:endParaRPr>
-          </a:p>
-          <a:p>
-            <a:pPr lvl="1" marL="864000" indent="-324000">
+            <a:endParaRPr lang="en-US" sz="3200" b="0" u="none" strike="noStrike">
+              <a:solidFill>
+                <a:srgbClr val="000000"/>
+              </a:solidFill>
+              <a:uFillTx/>
+              <a:latin typeface="Arial" panose="020B0604020202020204"/>
+            </a:endParaRPr>
+          </a:p>
+          <a:p>
+            <a:pPr marL="864235" lvl="1" indent="-323850">
               <a:lnSpc>
                 <a:spcPct val="100000"/>
               </a:lnSpc>
               <a:spcBef>
-                <a:spcPts val="1134"/>
+                <a:spcPts val="1135"/>
               </a:spcBef>
               <a:buClr>
                 <a:srgbClr val="000000"/>
               </a:buClr>
               <a:buSzPct val="75000"/>
-              <a:buFont typeface="Symbol" charset="2"/>
+              <a:buFont typeface="Symbol" panose="05050102010706020507" charset="2"/>
               <a:buChar char=""/>
             </a:pPr>
             <a:r>
-              <a:rPr b="0" lang="en-US" sz="2400" strike="noStrike" u="none">
-                <a:solidFill>
-                  <a:srgbClr val="000000"/>
-                </a:solidFill>
-                <a:uFillTx/>
-                <a:latin typeface="Arial"/>
+              <a:rPr lang="en-US" sz="2400" b="0" u="none" strike="noStrike">
+                <a:solidFill>
+                  <a:srgbClr val="000000"/>
+                </a:solidFill>
+                <a:uFillTx/>
+                <a:latin typeface="Arial" panose="020B0604020202020204"/>
               </a:rPr>
               <a:t>Different for each OEM</a:t>
             </a:r>
-            <a:endParaRPr b="0" lang="en-US" sz="2400" strike="noStrike" u="none">
-              <a:solidFill>
-                <a:srgbClr val="000000"/>
-              </a:solidFill>
-              <a:uFillTx/>
-              <a:latin typeface="Arial"/>
+            <a:endParaRPr lang="en-US" sz="2400" b="0" u="none" strike="noStrike">
+              <a:solidFill>
+                <a:srgbClr val="000000"/>
+              </a:solidFill>
+              <a:uFillTx/>
+              <a:latin typeface="Arial" panose="020B0604020202020204"/>
             </a:endParaRPr>
           </a:p>
         </p:txBody>
       </p:sp>
     </p:spTree>
   </p:cSld>
-  <mc:AlternateContent>
-    <mc:Choice Requires="p14">
+  <p:clrMapOvr>
+    <a:masterClrMapping/>
+  </p:clrMapOvr>
+  <mc:AlternateContent xmlns:mc="http://schemas.openxmlformats.org/markup-compatibility/2006">
+    <mc:Choice xmlns:p14="http://schemas.microsoft.com/office/powerpoint/2010/main" Requires="p14">
       <p:transition spd="slow" p14:dur="2000"/>
     </mc:Choice>
     <mc:Fallback>
@@ -2472,7 +2630,7 @@
 </file>
 
 <file path=ppt/slides/slide9.xml><?xml version="1.0" encoding="utf-8"?>
-<p:sld xmlns:a="http://schemas.openxmlformats.org/drawingml/2006/main" xmlns:p="http://schemas.openxmlformats.org/presentationml/2006/main" xmlns:r="http://schemas.openxmlformats.org/officeDocument/2006/relationships" xmlns:p14="http://schemas.microsoft.com/office/powerpoint/2010/main" xmlns:p15="http://schemas.microsoft.com/office/powerpoint/2012/main" xmlns:mc="http://schemas.openxmlformats.org/markup-compatibility/2006">
+<p:sld xmlns:a="http://schemas.openxmlformats.org/drawingml/2006/main" xmlns:r="http://schemas.openxmlformats.org/officeDocument/2006/relationships" xmlns:p="http://schemas.openxmlformats.org/presentationml/2006/main">
   <p:cSld>
     <p:spTree>
       <p:nvGrpSpPr>
@@ -2490,13 +2648,15 @@
       </p:grpSpPr>
       <p:pic>
         <p:nvPicPr>
-          <p:cNvPr id="35" name="" descr=""/>
+          <p:cNvPr id="35" name="Picture 34"/>
           <p:cNvPicPr/>
           <p:nvPr/>
         </p:nvPicPr>
         <p:blipFill>
           <a:blip r:embed="rId1"/>
-          <a:stretch/>
+          <a:stretch>
+            <a:fillRect/>
+          </a:stretch>
         </p:blipFill>
         <p:spPr>
           <a:xfrm>
@@ -2535,7 +2695,7 @@
           </a:ln>
         </p:spPr>
         <p:txBody>
-          <a:bodyPr lIns="0" rIns="0" tIns="0" bIns="0" anchor="ctr">
+          <a:bodyPr lIns="0" tIns="0" rIns="0" bIns="0" anchor="ctr">
             <a:noAutofit/>
           </a:bodyPr>
           <a:p>
@@ -2545,25 +2705,25 @@
               </a:lnSpc>
               <a:buNone/>
               <a:tabLst>
-                <a:tab algn="l" pos="0"/>
+                <a:tab pos="0" algn="l"/>
               </a:tabLst>
             </a:pPr>
             <a:r>
-              <a:rPr b="0" lang="en-US" sz="4400" strike="noStrike" u="none">
-                <a:solidFill>
-                  <a:srgbClr val="000000"/>
-                </a:solidFill>
-                <a:uFillTx/>
-                <a:latin typeface="Arial"/>
+              <a:rPr lang="en-US" sz="4400" b="0" u="none" strike="noStrike">
+                <a:solidFill>
+                  <a:srgbClr val="000000"/>
+                </a:solidFill>
+                <a:uFillTx/>
+                <a:latin typeface="Arial" panose="020B0604020202020204"/>
               </a:rPr>
               <a:t>Llama Loading Network Activity</a:t>
             </a:r>
-            <a:endParaRPr b="0" lang="en-US" sz="4400" strike="noStrike" u="none">
-              <a:solidFill>
-                <a:srgbClr val="000000"/>
-              </a:solidFill>
-              <a:uFillTx/>
-              <a:latin typeface="Arial"/>
+            <a:endParaRPr lang="en-US" sz="4400" b="0" u="none" strike="noStrike">
+              <a:solidFill>
+                <a:srgbClr val="000000"/>
+              </a:solidFill>
+              <a:uFillTx/>
+              <a:latin typeface="Arial" panose="020B0604020202020204"/>
             </a:endParaRPr>
           </a:p>
         </p:txBody>
@@ -2592,44 +2752,47 @@
           </a:ln>
         </p:spPr>
         <p:txBody>
-          <a:bodyPr lIns="0" rIns="0" tIns="0" bIns="0" anchor="t">
+          <a:bodyPr lIns="0" tIns="0" rIns="0" bIns="0" anchor="t">
             <a:normAutofit/>
           </a:bodyPr>
           <a:p>
-            <a:pPr indent="-324000">
+            <a:pPr indent="-323850">
               <a:lnSpc>
                 <a:spcPct val="100000"/>
               </a:lnSpc>
               <a:buClr>
                 <a:srgbClr val="000000"/>
               </a:buClr>
-              <a:buFont typeface="Wingdings" charset="2"/>
+              <a:buFont typeface="Wingdings" panose="05000000000000000000" pitchFamily="2" charset="2"/>
               <a:buChar char=""/>
             </a:pPr>
             <a:r>
-              <a:rPr b="0" lang="en-US" sz="1800" strike="noStrike" u="none">
-                <a:solidFill>
-                  <a:srgbClr val="000000"/>
-                </a:solidFill>
-                <a:uFillTx/>
-                <a:latin typeface="Arial"/>
+              <a:rPr lang="en-US" sz="1800" b="0" u="none" strike="noStrike">
+                <a:solidFill>
+                  <a:srgbClr val="000000"/>
+                </a:solidFill>
+                <a:uFillTx/>
+                <a:latin typeface="Arial" panose="020B0604020202020204"/>
               </a:rPr>
               <a:t>Loading the Llama model by downloading it first</a:t>
             </a:r>
-            <a:endParaRPr b="0" lang="en-US" sz="1800" strike="noStrike" u="none">
-              <a:solidFill>
-                <a:srgbClr val="000000"/>
-              </a:solidFill>
-              <a:uFillTx/>
-              <a:latin typeface="Arial"/>
+            <a:endParaRPr lang="en-US" sz="1800" b="0" u="none" strike="noStrike">
+              <a:solidFill>
+                <a:srgbClr val="000000"/>
+              </a:solidFill>
+              <a:uFillTx/>
+              <a:latin typeface="Arial" panose="020B0604020202020204"/>
             </a:endParaRPr>
           </a:p>
         </p:txBody>
       </p:sp>
     </p:spTree>
   </p:cSld>
-  <mc:AlternateContent>
-    <mc:Choice Requires="p14">
+  <p:clrMapOvr>
+    <a:masterClrMapping/>
+  </p:clrMapOvr>
+  <mc:AlternateContent xmlns:mc="http://schemas.openxmlformats.org/markup-compatibility/2006">
+    <mc:Choice xmlns:p14="http://schemas.microsoft.com/office/powerpoint/2010/main" Requires="p14">
       <p:transition spd="slow" p14:dur="2000"/>
     </mc:Choice>
     <mc:Fallback>
@@ -2640,59 +2803,59 @@
 </file>
 
 <file path=ppt/theme/theme1.xml><?xml version="1.0" encoding="utf-8"?>
-<a:theme xmlns:a="http://schemas.openxmlformats.org/drawingml/2006/main" xmlns:r="http://schemas.openxmlformats.org/officeDocument/2006/relationships" name="Office">
+<a:theme xmlns:a="http://schemas.openxmlformats.org/drawingml/2006/main" name="Office">
   <a:themeElements>
     <a:clrScheme name="LibreOffice">
       <a:dk1>
         <a:srgbClr val="000000"/>
       </a:dk1>
       <a:lt1>
-        <a:srgbClr val="ffffff"/>
+        <a:srgbClr val="FFFFFF"/>
       </a:lt1>
       <a:dk2>
         <a:srgbClr val="000000"/>
       </a:dk2>
       <a:lt2>
-        <a:srgbClr val="ffffff"/>
+        <a:srgbClr val="FFFFFF"/>
       </a:lt2>
       <a:accent1>
-        <a:srgbClr val="18a303"/>
+        <a:srgbClr val="18A303"/>
       </a:accent1>
       <a:accent2>
-        <a:srgbClr val="0369a3"/>
+        <a:srgbClr val="0369A3"/>
       </a:accent2>
       <a:accent3>
-        <a:srgbClr val="a33e03"/>
+        <a:srgbClr val="A33E03"/>
       </a:accent3>
       <a:accent4>
-        <a:srgbClr val="8e03a3"/>
+        <a:srgbClr val="8E03A3"/>
       </a:accent4>
       <a:accent5>
-        <a:srgbClr val="c99c00"/>
+        <a:srgbClr val="C99C00"/>
       </a:accent5>
       <a:accent6>
-        <a:srgbClr val="c9211e"/>
+        <a:srgbClr val="C9211E"/>
       </a:accent6>
       <a:hlink>
-        <a:srgbClr val="0000ee"/>
+        <a:srgbClr val="0000EE"/>
       </a:hlink>
       <a:folHlink>
-        <a:srgbClr val="551a8b"/>
+        <a:srgbClr val="551A8B"/>
       </a:folHlink>
     </a:clrScheme>
     <a:fontScheme name="Office">
       <a:majorFont>
-        <a:latin typeface="Arial" pitchFamily="0" charset="1"/>
-        <a:ea typeface="DejaVu Sans" pitchFamily="0" charset="1"/>
-        <a:cs typeface="DejaVu Sans" pitchFamily="0" charset="1"/>
+        <a:latin typeface="Arial"/>
+        <a:ea typeface="DejaVu Sans"/>
+        <a:cs typeface="DejaVu Sans"/>
       </a:majorFont>
       <a:minorFont>
-        <a:latin typeface="Arial" pitchFamily="0" charset="1"/>
-        <a:ea typeface="DejaVu Sans" pitchFamily="0" charset="1"/>
-        <a:cs typeface="DejaVu Sans" pitchFamily="0" charset="1"/>
+        <a:latin typeface="Arial"/>
+        <a:ea typeface="DejaVu Sans"/>
+        <a:cs typeface="DejaVu Sans"/>
       </a:minorFont>
     </a:fontScheme>
-    <a:fmtScheme>
+    <a:fmtScheme name="">
       <a:fillStyleLst>
         <a:solidFill>
           <a:schemeClr val="phClr"/>
@@ -2742,5 +2905,10 @@
       </a:bgFillStyleLst>
     </a:fmtScheme>
   </a:themeElements>
+  <a:extLst>
+    <a:ext uri="{05A4C25C-085E-4340-85A3-A5531E510DB2}">
+      <thm15:themeFamily xmlns:thm15="http://schemas.microsoft.com/office/thememl/2012/main" name="Office Theme" id="{62F939B6-93AF-4DB8-9C6B-D6C7DFDC589F}" vid="{4A3C46E8-61CC-4603-A589-7422A47A8E4A}"/>
+    </a:ext>
+  </a:extLst>
 </a:theme>
 </file>
--- a/llama3_initial_load.pptx
+++ b/llama3_initial_load.pptx
@@ -11,10 +11,11 @@
     <p:sldId id="259" r:id="rId6"/>
     <p:sldId id="260" r:id="rId7"/>
     <p:sldId id="261" r:id="rId8"/>
-    <p:sldId id="262" r:id="rId9"/>
-    <p:sldId id="263" r:id="rId10"/>
-    <p:sldId id="264" r:id="rId11"/>
-    <p:sldId id="265" r:id="rId12"/>
+    <p:sldId id="271" r:id="rId9"/>
+    <p:sldId id="262" r:id="rId10"/>
+    <p:sldId id="263" r:id="rId11"/>
+    <p:sldId id="264" r:id="rId12"/>
+    <p:sldId id="265" r:id="rId13"/>
   </p:sldIdLst>
   <p:sldSz cx="10080625" cy="5670550"/>
   <p:notesSz cx="7772400" cy="10058400"/>
@@ -1368,6 +1369,179 @@
       </p:grpSpPr>
       <p:pic>
         <p:nvPicPr>
+          <p:cNvPr id="35" name="Picture 34"/>
+          <p:cNvPicPr/>
+          <p:nvPr/>
+        </p:nvPicPr>
+        <p:blipFill>
+          <a:blip r:embed="rId1"/>
+          <a:stretch>
+            <a:fillRect/>
+          </a:stretch>
+        </p:blipFill>
+        <p:spPr>
+          <a:xfrm>
+            <a:off x="635040" y="1326600"/>
+            <a:ext cx="4164120" cy="3287880"/>
+          </a:xfrm>
+          <a:prstGeom prst="rect">
+            <a:avLst/>
+          </a:prstGeom>
+          <a:ln w="0">
+            <a:noFill/>
+          </a:ln>
+        </p:spPr>
+      </p:pic>
+      <p:sp>
+        <p:nvSpPr>
+          <p:cNvPr id="36" name="PlaceHolder 1"/>
+          <p:cNvSpPr>
+            <a:spLocks noGrp="1"/>
+          </p:cNvSpPr>
+          <p:nvPr>
+            <p:ph type="title"/>
+          </p:nvPr>
+        </p:nvSpPr>
+        <p:spPr>
+          <a:xfrm>
+            <a:off x="504000" y="226080"/>
+            <a:ext cx="9071280" cy="946080"/>
+          </a:xfrm>
+          <a:prstGeom prst="rect">
+            <a:avLst/>
+          </a:prstGeom>
+          <a:noFill/>
+          <a:ln w="0">
+            <a:noFill/>
+          </a:ln>
+        </p:spPr>
+        <p:txBody>
+          <a:bodyPr lIns="0" tIns="0" rIns="0" bIns="0" anchor="ctr">
+            <a:noAutofit/>
+          </a:bodyPr>
+          <a:p>
+            <a:pPr indent="0" algn="ctr">
+              <a:lnSpc>
+                <a:spcPct val="100000"/>
+              </a:lnSpc>
+              <a:buNone/>
+              <a:tabLst>
+                <a:tab pos="0" algn="l"/>
+              </a:tabLst>
+            </a:pPr>
+            <a:r>
+              <a:rPr lang="en-US" sz="4400" b="0" u="none" strike="noStrike">
+                <a:solidFill>
+                  <a:srgbClr val="000000"/>
+                </a:solidFill>
+                <a:uFillTx/>
+                <a:latin typeface="Arial" panose="020B0604020202020204"/>
+              </a:rPr>
+              <a:t>Llama Loading Network Activity</a:t>
+            </a:r>
+            <a:endParaRPr lang="en-US" sz="4400" b="0" u="none" strike="noStrike">
+              <a:solidFill>
+                <a:srgbClr val="000000"/>
+              </a:solidFill>
+              <a:uFillTx/>
+              <a:latin typeface="Arial" panose="020B0604020202020204"/>
+            </a:endParaRPr>
+          </a:p>
+        </p:txBody>
+      </p:sp>
+      <p:sp>
+        <p:nvSpPr>
+          <p:cNvPr id="37" name="PlaceHolder 2"/>
+          <p:cNvSpPr>
+            <a:spLocks noGrp="1"/>
+          </p:cNvSpPr>
+          <p:nvPr>
+            <p:ph/>
+          </p:nvPr>
+        </p:nvSpPr>
+        <p:spPr>
+          <a:xfrm>
+            <a:off x="5152680" y="1326600"/>
+            <a:ext cx="4426560" cy="3287880"/>
+          </a:xfrm>
+          <a:prstGeom prst="rect">
+            <a:avLst/>
+          </a:prstGeom>
+          <a:noFill/>
+          <a:ln w="0">
+            <a:noFill/>
+          </a:ln>
+        </p:spPr>
+        <p:txBody>
+          <a:bodyPr lIns="0" tIns="0" rIns="0" bIns="0" anchor="t">
+            <a:normAutofit/>
+          </a:bodyPr>
+          <a:p>
+            <a:pPr indent="-323850">
+              <a:lnSpc>
+                <a:spcPct val="100000"/>
+              </a:lnSpc>
+              <a:buClr>
+                <a:srgbClr val="000000"/>
+              </a:buClr>
+              <a:buFont typeface="Wingdings" panose="05000000000000000000" pitchFamily="2" charset="2"/>
+              <a:buChar char=""/>
+            </a:pPr>
+            <a:r>
+              <a:rPr lang="en-US" sz="1800" b="0" u="none" strike="noStrike">
+                <a:solidFill>
+                  <a:srgbClr val="000000"/>
+                </a:solidFill>
+                <a:uFillTx/>
+                <a:latin typeface="Arial" panose="020B0604020202020204"/>
+              </a:rPr>
+              <a:t>Loading the Llama model by downloading it first</a:t>
+            </a:r>
+            <a:endParaRPr lang="en-US" sz="1800" b="0" u="none" strike="noStrike">
+              <a:solidFill>
+                <a:srgbClr val="000000"/>
+              </a:solidFill>
+              <a:uFillTx/>
+              <a:latin typeface="Arial" panose="020B0604020202020204"/>
+            </a:endParaRPr>
+          </a:p>
+        </p:txBody>
+      </p:sp>
+    </p:spTree>
+  </p:cSld>
+  <p:clrMapOvr>
+    <a:masterClrMapping/>
+  </p:clrMapOvr>
+  <mc:AlternateContent xmlns:mc="http://schemas.openxmlformats.org/markup-compatibility/2006">
+    <mc:Choice xmlns:p14="http://schemas.microsoft.com/office/powerpoint/2010/main" Requires="p14">
+      <p:transition spd="slow" p14:dur="2000"/>
+    </mc:Choice>
+    <mc:Fallback>
+      <p:transition spd="slow"/>
+    </mc:Fallback>
+  </mc:AlternateContent>
+</p:sld>
+</file>
+
+<file path=ppt/slides/slide11.xml><?xml version="1.0" encoding="utf-8"?>
+<p:sld xmlns:a="http://schemas.openxmlformats.org/drawingml/2006/main" xmlns:r="http://schemas.openxmlformats.org/officeDocument/2006/relationships" xmlns:p="http://schemas.openxmlformats.org/presentationml/2006/main">
+  <p:cSld>
+    <p:spTree>
+      <p:nvGrpSpPr>
+        <p:cNvPr id="1" name=""/>
+        <p:cNvGrpSpPr/>
+        <p:nvPr/>
+      </p:nvGrpSpPr>
+      <p:grpSpPr>
+        <a:xfrm>
+          <a:off x="0" y="0"/>
+          <a:ext cx="0" cy="0"/>
+          <a:chOff x="0" y="0"/>
+          <a:chExt cx="0" cy="0"/>
+        </a:xfrm>
+      </p:grpSpPr>
+      <p:pic>
+        <p:nvPicPr>
           <p:cNvPr id="38" name="Picture 37"/>
           <p:cNvPicPr/>
           <p:nvPr/>
@@ -2257,34 +2431,9 @@
           <a:chExt cx="0" cy="0"/>
         </a:xfrm>
       </p:grpSpPr>
-      <p:pic>
-        <p:nvPicPr>
-          <p:cNvPr id="28" name="Picture 27"/>
-          <p:cNvPicPr/>
-          <p:nvPr/>
-        </p:nvPicPr>
-        <p:blipFill>
-          <a:blip r:embed="rId1"/>
-          <a:stretch>
-            <a:fillRect/>
-          </a:stretch>
-        </p:blipFill>
-        <p:spPr>
-          <a:xfrm>
-            <a:off x="546120" y="1326600"/>
-            <a:ext cx="4341600" cy="3287880"/>
-          </a:xfrm>
-          <a:prstGeom prst="rect">
-            <a:avLst/>
-          </a:prstGeom>
-          <a:ln w="0">
-            <a:noFill/>
-          </a:ln>
-        </p:spPr>
-      </p:pic>
       <p:sp>
         <p:nvSpPr>
-          <p:cNvPr id="29" name="PlaceHolder 1"/>
+          <p:cNvPr id="26" name="PlaceHolder 1"/>
           <p:cNvSpPr>
             <a:spLocks noGrp="1"/>
           </p:cNvSpPr>
@@ -2320,16 +2469,16 @@
               </a:tabLst>
             </a:pPr>
             <a:r>
-              <a:rPr lang="en-US" sz="4400" b="0" u="none" strike="noStrike">
-                <a:solidFill>
-                  <a:srgbClr val="000000"/>
-                </a:solidFill>
-                <a:uFillTx/>
-                <a:latin typeface="Arial" panose="020B0604020202020204"/>
-              </a:rPr>
-              <a:t>Llama Loading SSD BW/IOps</a:t>
-            </a:r>
-            <a:endParaRPr lang="en-US" sz="4400" b="0" u="none" strike="noStrike">
+              <a:rPr lang="en-US" sz="4200" b="0" u="none" strike="noStrike">
+                <a:solidFill>
+                  <a:srgbClr val="000000"/>
+                </a:solidFill>
+                <a:uFillTx/>
+                <a:latin typeface="Arial" panose="020B0604020202020204"/>
+              </a:rPr>
+              <a:t>Llama Loading CPU and Disk Activity</a:t>
+            </a:r>
+            <a:endParaRPr lang="en-US" sz="4200" b="0" u="none" strike="noStrike">
               <a:solidFill>
                 <a:srgbClr val="000000"/>
               </a:solidFill>
@@ -2341,14 +2490,18 @@
       </p:sp>
       <p:sp>
         <p:nvSpPr>
-          <p:cNvPr id="30" name="Text Box 29"/>
-          <p:cNvSpPr txBox="1"/>
-          <p:nvPr/>
+          <p:cNvPr id="27" name="PlaceHolder 2"/>
+          <p:cNvSpPr>
+            <a:spLocks noGrp="1"/>
+          </p:cNvSpPr>
+          <p:nvPr>
+            <p:ph/>
+          </p:nvPr>
         </p:nvSpPr>
         <p:spPr>
           <a:xfrm>
-            <a:off x="2514600" y="5029200"/>
-            <a:ext cx="6376680" cy="346320"/>
+            <a:off x="5152680" y="1326600"/>
+            <a:ext cx="4426560" cy="3287880"/>
           </a:xfrm>
           <a:prstGeom prst="rect">
             <a:avLst/>
@@ -2359,10 +2512,20 @@
           </a:ln>
         </p:spPr>
         <p:txBody>
-          <a:bodyPr wrap="none" lIns="90000" tIns="45000" rIns="90000" bIns="45000" anchor="t">
-            <a:noAutofit/>
+          <a:bodyPr lIns="0" tIns="0" rIns="0" bIns="0" anchor="t">
+            <a:normAutofit/>
           </a:bodyPr>
           <a:p>
+            <a:pPr indent="-323850">
+              <a:lnSpc>
+                <a:spcPct val="100000"/>
+              </a:lnSpc>
+              <a:buClr>
+                <a:srgbClr val="000000"/>
+              </a:buClr>
+              <a:buFont typeface="Wingdings" panose="05000000000000000000" pitchFamily="2" charset="2"/>
+              <a:buChar char=""/>
+            </a:pPr>
             <a:r>
               <a:rPr lang="en-US" sz="1800" b="0" u="none" strike="noStrike">
                 <a:solidFill>
@@ -2371,7 +2534,7 @@
                 <a:uFillTx/>
                 <a:latin typeface="Arial" panose="020B0604020202020204"/>
               </a:rPr>
-              <a:t>System performance counter, not processed from traffic trace</a:t>
+              <a:t>Percentage of time CPU and SSD is active</a:t>
             </a:r>
             <a:endParaRPr lang="en-US" sz="1800" b="0" u="none" strike="noStrike">
               <a:solidFill>
@@ -2392,15 +2555,15 @@
           <p:nvPr/>
         </p:nvPicPr>
         <p:blipFill>
-          <a:blip r:embed="rId2"/>
+          <a:blip r:embed="rId1"/>
           <a:stretch>
             <a:fillRect/>
           </a:stretch>
         </p:blipFill>
         <p:spPr>
           <a:xfrm>
-            <a:off x="5382260" y="1326515"/>
-            <a:ext cx="4081780" cy="3291840"/>
+            <a:off x="288290" y="1241425"/>
+            <a:ext cx="4302760" cy="3373120"/>
           </a:xfrm>
           <a:prstGeom prst="rect">
             <a:avLst/>
@@ -2442,7 +2605,7 @@
       </p:grpSpPr>
       <p:pic>
         <p:nvPicPr>
-          <p:cNvPr id="32" name="Picture 31"/>
+          <p:cNvPr id="28" name="Picture 27"/>
           <p:cNvPicPr/>
           <p:nvPr/>
         </p:nvPicPr>
@@ -2454,8 +2617,8 @@
         </p:blipFill>
         <p:spPr>
           <a:xfrm>
-            <a:off x="612360" y="1326600"/>
-            <a:ext cx="4209480" cy="3287880"/>
+            <a:off x="546120" y="1326600"/>
+            <a:ext cx="4341600" cy="3287880"/>
           </a:xfrm>
           <a:prstGeom prst="rect">
             <a:avLst/>
@@ -2467,7 +2630,7 @@
       </p:pic>
       <p:sp>
         <p:nvSpPr>
-          <p:cNvPr id="33" name="PlaceHolder 1"/>
+          <p:cNvPr id="29" name="PlaceHolder 1"/>
           <p:cNvSpPr>
             <a:spLocks noGrp="1"/>
           </p:cNvSpPr>
@@ -2524,18 +2687,14 @@
       </p:sp>
       <p:sp>
         <p:nvSpPr>
-          <p:cNvPr id="34" name="PlaceHolder 2"/>
-          <p:cNvSpPr>
-            <a:spLocks noGrp="1"/>
-          </p:cNvSpPr>
-          <p:nvPr>
-            <p:ph/>
-          </p:nvPr>
+          <p:cNvPr id="30" name="Text Box 29"/>
+          <p:cNvSpPr txBox="1"/>
+          <p:nvPr/>
         </p:nvSpPr>
         <p:spPr>
           <a:xfrm>
-            <a:off x="5152680" y="1326600"/>
-            <a:ext cx="4426560" cy="3287880"/>
+            <a:off x="2514600" y="5029200"/>
+            <a:ext cx="6376680" cy="346320"/>
           </a:xfrm>
           <a:prstGeom prst="rect">
             <a:avLst/>
@@ -2546,64 +2705,21 @@
           </a:ln>
         </p:spPr>
         <p:txBody>
-          <a:bodyPr lIns="0" tIns="0" rIns="0" bIns="0" anchor="t">
-            <a:normAutofit/>
+          <a:bodyPr wrap="none" lIns="90000" tIns="45000" rIns="90000" bIns="45000" anchor="t">
+            <a:noAutofit/>
           </a:bodyPr>
           <a:p>
-            <a:pPr indent="-323850">
-              <a:lnSpc>
-                <a:spcPct val="100000"/>
-              </a:lnSpc>
-              <a:buClr>
-                <a:srgbClr val="000000"/>
-              </a:buClr>
-              <a:buFont typeface="Wingdings" panose="05000000000000000000" pitchFamily="2" charset="2"/>
-              <a:buChar char=""/>
-            </a:pPr>
-            <a:r>
-              <a:rPr lang="en-US" sz="3200" b="0" u="none" strike="noStrike">
-                <a:solidFill>
-                  <a:srgbClr val="000000"/>
-                </a:solidFill>
-                <a:uFillTx/>
-                <a:latin typeface="Arial" panose="020B0604020202020204"/>
-              </a:rPr>
-              <a:t>Not sure what is contained in a zone</a:t>
-            </a:r>
-            <a:endParaRPr lang="en-US" sz="3200" b="0" u="none" strike="noStrike">
-              <a:solidFill>
-                <a:srgbClr val="000000"/>
-              </a:solidFill>
-              <a:uFillTx/>
-              <a:latin typeface="Arial" panose="020B0604020202020204"/>
-            </a:endParaRPr>
-          </a:p>
-          <a:p>
-            <a:pPr marL="864235" lvl="1" indent="-323850">
-              <a:lnSpc>
-                <a:spcPct val="100000"/>
-              </a:lnSpc>
-              <a:spcBef>
-                <a:spcPts val="1135"/>
-              </a:spcBef>
-              <a:buClr>
-                <a:srgbClr val="000000"/>
-              </a:buClr>
-              <a:buSzPct val="75000"/>
-              <a:buFont typeface="Symbol" panose="05050102010706020507" charset="2"/>
-              <a:buChar char=""/>
-            </a:pPr>
-            <a:r>
-              <a:rPr lang="en-US" sz="2400" b="0" u="none" strike="noStrike">
-                <a:solidFill>
-                  <a:srgbClr val="000000"/>
-                </a:solidFill>
-                <a:uFillTx/>
-                <a:latin typeface="Arial" panose="020B0604020202020204"/>
-              </a:rPr>
-              <a:t>Different for each OEM</a:t>
-            </a:r>
-            <a:endParaRPr lang="en-US" sz="2400" b="0" u="none" strike="noStrike">
+            <a:r>
+              <a:rPr lang="en-US" sz="1800" b="0" u="none" strike="noStrike">
+                <a:solidFill>
+                  <a:srgbClr val="000000"/>
+                </a:solidFill>
+                <a:uFillTx/>
+                <a:latin typeface="Arial" panose="020B0604020202020204"/>
+              </a:rPr>
+              <a:t>System performance counter, not processed from traffic trace</a:t>
+            </a:r>
+            <a:endParaRPr lang="en-US" sz="1800" b="0" u="none" strike="noStrike">
               <a:solidFill>
                 <a:srgbClr val="000000"/>
               </a:solidFill>
@@ -2613,6 +2729,30 @@
           </a:p>
         </p:txBody>
       </p:sp>
+      <p:pic>
+        <p:nvPicPr>
+          <p:cNvPr id="2" name="Picture 1"/>
+          <p:cNvPicPr>
+            <a:picLocks noChangeAspect="1"/>
+          </p:cNvPicPr>
+          <p:nvPr/>
+        </p:nvPicPr>
+        <p:blipFill>
+          <a:blip r:embed="rId2"/>
+          <a:stretch>
+            <a:fillRect/>
+          </a:stretch>
+        </p:blipFill>
+        <p:spPr>
+          <a:xfrm>
+            <a:off x="5382260" y="1326515"/>
+            <a:ext cx="4081780" cy="3291840"/>
+          </a:xfrm>
+          <a:prstGeom prst="rect">
+            <a:avLst/>
+          </a:prstGeom>
+        </p:spPr>
+      </p:pic>
     </p:spTree>
   </p:cSld>
   <p:clrMapOvr>
@@ -2648,7 +2788,7 @@
       </p:grpSpPr>
       <p:pic>
         <p:nvPicPr>
-          <p:cNvPr id="35" name="Picture 34"/>
+          <p:cNvPr id="32" name="Picture 31"/>
           <p:cNvPicPr/>
           <p:nvPr/>
         </p:nvPicPr>
@@ -2660,8 +2800,8 @@
         </p:blipFill>
         <p:spPr>
           <a:xfrm>
-            <a:off x="635040" y="1326600"/>
-            <a:ext cx="4164120" cy="3287880"/>
+            <a:off x="612360" y="1326600"/>
+            <a:ext cx="4209480" cy="3287880"/>
           </a:xfrm>
           <a:prstGeom prst="rect">
             <a:avLst/>
@@ -2673,7 +2813,7 @@
       </p:pic>
       <p:sp>
         <p:nvSpPr>
-          <p:cNvPr id="36" name="PlaceHolder 1"/>
+          <p:cNvPr id="33" name="PlaceHolder 1"/>
           <p:cNvSpPr>
             <a:spLocks noGrp="1"/>
           </p:cNvSpPr>
@@ -2716,7 +2856,7 @@
                 <a:uFillTx/>
                 <a:latin typeface="Arial" panose="020B0604020202020204"/>
               </a:rPr>
-              <a:t>Llama Loading Network Activity</a:t>
+              <a:t>Llama Loading SSD BW/IOps</a:t>
             </a:r>
             <a:endParaRPr lang="en-US" sz="4400" b="0" u="none" strike="noStrike">
               <a:solidFill>
@@ -2730,7 +2870,7 @@
       </p:sp>
       <p:sp>
         <p:nvSpPr>
-          <p:cNvPr id="37" name="PlaceHolder 2"/>
+          <p:cNvPr id="34" name="PlaceHolder 2"/>
           <p:cNvSpPr>
             <a:spLocks noGrp="1"/>
           </p:cNvSpPr>
@@ -2767,16 +2907,49 @@
               <a:buChar char=""/>
             </a:pPr>
             <a:r>
-              <a:rPr lang="en-US" sz="1800" b="0" u="none" strike="noStrike">
-                <a:solidFill>
-                  <a:srgbClr val="000000"/>
-                </a:solidFill>
-                <a:uFillTx/>
-                <a:latin typeface="Arial" panose="020B0604020202020204"/>
-              </a:rPr>
-              <a:t>Loading the Llama model by downloading it first</a:t>
-            </a:r>
-            <a:endParaRPr lang="en-US" sz="1800" b="0" u="none" strike="noStrike">
+              <a:rPr lang="en-US" sz="3200" b="0" u="none" strike="noStrike">
+                <a:solidFill>
+                  <a:srgbClr val="000000"/>
+                </a:solidFill>
+                <a:uFillTx/>
+                <a:latin typeface="Arial" panose="020B0604020202020204"/>
+              </a:rPr>
+              <a:t>Not sure what is contained in a zone</a:t>
+            </a:r>
+            <a:endParaRPr lang="en-US" sz="3200" b="0" u="none" strike="noStrike">
+              <a:solidFill>
+                <a:srgbClr val="000000"/>
+              </a:solidFill>
+              <a:uFillTx/>
+              <a:latin typeface="Arial" panose="020B0604020202020204"/>
+            </a:endParaRPr>
+          </a:p>
+          <a:p>
+            <a:pPr marL="864235" lvl="1" indent="-323850">
+              <a:lnSpc>
+                <a:spcPct val="100000"/>
+              </a:lnSpc>
+              <a:spcBef>
+                <a:spcPts val="1135"/>
+              </a:spcBef>
+              <a:buClr>
+                <a:srgbClr val="000000"/>
+              </a:buClr>
+              <a:buSzPct val="75000"/>
+              <a:buFont typeface="Symbol" panose="05050102010706020507" charset="2"/>
+              <a:buChar char=""/>
+            </a:pPr>
+            <a:r>
+              <a:rPr lang="en-US" sz="2400" b="0" u="none" strike="noStrike">
+                <a:solidFill>
+                  <a:srgbClr val="000000"/>
+                </a:solidFill>
+                <a:uFillTx/>
+                <a:latin typeface="Arial" panose="020B0604020202020204"/>
+              </a:rPr>
+              <a:t>Different for each OEM</a:t>
+            </a:r>
+            <a:endParaRPr lang="en-US" sz="2400" b="0" u="none" strike="noStrike">
               <a:solidFill>
                 <a:srgbClr val="000000"/>
               </a:solidFill>
